--- a/folded_gilbert/seminar/20231205/20231211小島光.pptx
+++ b/folded_gilbert/seminar/20231205/20231211小島光.pptx
@@ -5,13 +5,14 @@
     <p:sldMasterId id="2147483648" r:id="rId1"/>
   </p:sldMasterIdLst>
   <p:notesMasterIdLst>
-    <p:notesMasterId r:id="rId6"/>
+    <p:notesMasterId r:id="rId7"/>
   </p:notesMasterIdLst>
   <p:sldIdLst>
     <p:sldId id="256" r:id="rId2"/>
     <p:sldId id="257" r:id="rId3"/>
     <p:sldId id="258" r:id="rId4"/>
     <p:sldId id="259" r:id="rId5"/>
+    <p:sldId id="260" r:id="rId6"/>
   </p:sldIdLst>
   <p:sldSz cx="12192000" cy="6858000"/>
   <p:notesSz cx="6858000" cy="9144000"/>
@@ -200,7 +201,7 @@
           <a:p>
             <a:fld id="{F8456487-DC86-474A-B4EE-F658698A396D}" type="datetimeFigureOut">
               <a:rPr kumimoji="1" lang="ja-JP" altLang="en-US" smtClean="0"/>
-              <a:t>2023/12/4</a:t>
+              <a:t>2023/12/5</a:t>
             </a:fld>
             <a:endParaRPr kumimoji="1" lang="ja-JP" altLang="en-US"/>
           </a:p>
@@ -783,7 +784,7 @@
         <p:spPr>
           <a:xfrm>
             <a:off x="2295936" y="3769527"/>
-            <a:ext cx="7600128" cy="86153"/>
+            <a:ext cx="7600128" cy="45719"/>
           </a:xfrm>
           <a:prstGeom prst="rect">
             <a:avLst/>
@@ -806,6 +807,9 @@
             <a:lin ang="0" scaled="1"/>
             <a:tileRect/>
           </a:gradFill>
+          <a:ln>
+            <a:noFill/>
+          </a:ln>
         </p:spPr>
         <p:style>
           <a:lnRef idx="2">
@@ -3009,6 +3013,9 @@
             <a:lin ang="0" scaled="1"/>
             <a:tileRect/>
           </a:gradFill>
+          <a:ln>
+            <a:noFill/>
+          </a:ln>
         </p:spPr>
         <p:style>
           <a:lnRef idx="2">
@@ -3067,6 +3074,73 @@
       </p:grpSpPr>
       <p:sp>
         <p:nvSpPr>
+          <p:cNvPr id="3" name="正方形/長方形 2">
+            <a:extLst>
+              <a:ext uri="{FF2B5EF4-FFF2-40B4-BE49-F238E27FC236}">
+                <a16:creationId xmlns:a16="http://schemas.microsoft.com/office/drawing/2014/main" id="{6FF05088-508F-B237-E8EB-2B740616E64E}"/>
+              </a:ext>
+            </a:extLst>
+          </p:cNvPr>
+          <p:cNvSpPr/>
+          <p:nvPr userDrawn="1"/>
+        </p:nvSpPr>
+        <p:spPr>
+          <a:xfrm>
+            <a:off x="370853" y="960582"/>
+            <a:ext cx="11450293" cy="69707"/>
+          </a:xfrm>
+          <a:prstGeom prst="rect">
+            <a:avLst/>
+          </a:prstGeom>
+          <a:gradFill flip="none" rotWithShape="1">
+            <a:gsLst>
+              <a:gs pos="0">
+                <a:srgbClr val="36318F"/>
+              </a:gs>
+              <a:gs pos="75000">
+                <a:srgbClr val="36318F"/>
+              </a:gs>
+              <a:gs pos="100000">
+                <a:schemeClr val="accent1">
+                  <a:lumMod val="30000"/>
+                  <a:lumOff val="70000"/>
+                </a:schemeClr>
+              </a:gs>
+            </a:gsLst>
+            <a:lin ang="0" scaled="1"/>
+            <a:tileRect/>
+          </a:gradFill>
+          <a:ln>
+            <a:noFill/>
+          </a:ln>
+        </p:spPr>
+        <p:style>
+          <a:lnRef idx="2">
+            <a:schemeClr val="accent1">
+              <a:shade val="15000"/>
+            </a:schemeClr>
+          </a:lnRef>
+          <a:fillRef idx="1">
+            <a:schemeClr val="accent1"/>
+          </a:fillRef>
+          <a:effectRef idx="0">
+            <a:schemeClr val="accent1"/>
+          </a:effectRef>
+          <a:fontRef idx="minor">
+            <a:schemeClr val="lt1"/>
+          </a:fontRef>
+        </p:style>
+        <p:txBody>
+          <a:bodyPr rtlCol="0" anchor="ctr"/>
+          <a:lstStyle/>
+          <a:p>
+            <a:pPr algn="ctr"/>
+            <a:endParaRPr kumimoji="1" lang="ja-JP" altLang="en-US" dirty="0"/>
+          </a:p>
+        </p:txBody>
+      </p:sp>
+      <p:sp>
+        <p:nvSpPr>
           <p:cNvPr id="2" name="日付プレースホルダー 1">
             <a:extLst>
               <a:ext uri="{FF2B5EF4-FFF2-40B4-BE49-F238E27FC236}">
@@ -3164,74 +3238,6 @@
               <a:rPr lang="en-US" altLang="ja-JP" dirty="0"/>
               <a:t>Wave Signal Processing Circuit Laboratory,  Meiji University</a:t>
             </a:r>
-          </a:p>
-        </p:txBody>
-      </p:sp>
-      <p:sp>
-        <p:nvSpPr>
-          <p:cNvPr id="6" name="図プレースホルダー 9">
-            <a:extLst>
-              <a:ext uri="{FF2B5EF4-FFF2-40B4-BE49-F238E27FC236}">
-                <a16:creationId xmlns:a16="http://schemas.microsoft.com/office/drawing/2014/main" id="{27378010-BCCD-181E-02AE-23E85116B173}"/>
-              </a:ext>
-            </a:extLst>
-          </p:cNvPr>
-          <p:cNvSpPr>
-            <a:spLocks noGrp="1"/>
-          </p:cNvSpPr>
-          <p:nvPr>
-            <p:ph type="pic" sz="quarter" idx="13"/>
-          </p:nvPr>
-        </p:nvSpPr>
-        <p:spPr>
-          <a:xfrm>
-            <a:off x="370853" y="960582"/>
-            <a:ext cx="11450293" cy="69706"/>
-          </a:xfrm>
-          <a:gradFill>
-            <a:gsLst>
-              <a:gs pos="77000">
-                <a:srgbClr val="36318F"/>
-              </a:gs>
-              <a:gs pos="0">
-                <a:srgbClr val="36318F"/>
-              </a:gs>
-              <a:gs pos="100000">
-                <a:schemeClr val="accent1">
-                  <a:lumMod val="45000"/>
-                  <a:lumOff val="55000"/>
-                </a:schemeClr>
-              </a:gs>
-              <a:gs pos="100000">
-                <a:schemeClr val="accent1">
-                  <a:lumMod val="30000"/>
-                  <a:lumOff val="70000"/>
-                </a:schemeClr>
-              </a:gs>
-            </a:gsLst>
-            <a:lin ang="3600000" scaled="0"/>
-          </a:gradFill>
-        </p:spPr>
-        <p:txBody>
-          <a:bodyPr/>
-          <a:lstStyle>
-            <a:lvl1pPr marL="0" indent="0">
-              <a:buNone/>
-              <a:defRPr>
-                <a:solidFill>
-                  <a:schemeClr val="bg1">
-                    <a:alpha val="0"/>
-                  </a:schemeClr>
-                </a:solidFill>
-              </a:defRPr>
-            </a:lvl1pPr>
-          </a:lstStyle>
-          <a:p>
-            <a:r>
-              <a:rPr kumimoji="1" lang="ja-JP" altLang="en-US"/>
-              <a:t>アイコンをクリックして図を追加</a:t>
-            </a:r>
-            <a:endParaRPr kumimoji="1" lang="ja-JP" altLang="en-US" dirty="0"/>
           </a:p>
         </p:txBody>
       </p:sp>
@@ -4967,8 +4973,8 @@
         </p:nvSpPr>
         <p:spPr>
           <a:xfrm>
-            <a:off x="1785258" y="2445287"/>
-            <a:ext cx="8891451" cy="2677656"/>
+            <a:off x="1785258" y="2075955"/>
+            <a:ext cx="8891451" cy="3416320"/>
           </a:xfrm>
           <a:prstGeom prst="rect">
             <a:avLst/>
@@ -5024,6 +5030,24 @@
             <a:r>
               <a:rPr lang="ja-JP" altLang="en-US" sz="2400" dirty="0"/>
               <a:t>シミュレーション</a:t>
+            </a:r>
+            <a:endParaRPr lang="en-US" altLang="ja-JP" sz="2400" dirty="0"/>
+          </a:p>
+          <a:p>
+            <a:pPr marL="285750" indent="-285750">
+              <a:buFont typeface="Arial" panose="020B0604020202020204" pitchFamily="34" charset="0"/>
+              <a:buChar char="•"/>
+            </a:pPr>
+            <a:endParaRPr lang="en-US" altLang="ja-JP" sz="2400" dirty="0"/>
+          </a:p>
+          <a:p>
+            <a:pPr marL="285750" indent="-285750">
+              <a:buFont typeface="Arial" panose="020B0604020202020204" pitchFamily="34" charset="0"/>
+              <a:buChar char="•"/>
+            </a:pPr>
+            <a:r>
+              <a:rPr lang="ja-JP" altLang="en-US" sz="2400" dirty="0"/>
+              <a:t>測定系</a:t>
             </a:r>
             <a:endParaRPr lang="en-US" altLang="ja-JP" sz="2400" dirty="0"/>
           </a:p>
@@ -5636,6 +5660,151 @@
     <p:extLst>
       <p:ext uri="{BB962C8B-B14F-4D97-AF65-F5344CB8AC3E}">
         <p14:creationId xmlns:p14="http://schemas.microsoft.com/office/powerpoint/2010/main" val="458708210"/>
+      </p:ext>
+    </p:extLst>
+  </p:cSld>
+  <p:clrMapOvr>
+    <a:masterClrMapping/>
+  </p:clrMapOvr>
+</p:sld>
+</file>
+
+<file path=ppt/slides/slide5.xml><?xml version="1.0" encoding="utf-8"?>
+<p:sld xmlns:a="http://schemas.openxmlformats.org/drawingml/2006/main" xmlns:r="http://schemas.openxmlformats.org/officeDocument/2006/relationships" xmlns:p="http://schemas.openxmlformats.org/presentationml/2006/main">
+  <p:cSld>
+    <p:spTree>
+      <p:nvGrpSpPr>
+        <p:cNvPr id="1" name=""/>
+        <p:cNvGrpSpPr/>
+        <p:nvPr/>
+      </p:nvGrpSpPr>
+      <p:grpSpPr>
+        <a:xfrm>
+          <a:off x="0" y="0"/>
+          <a:ext cx="0" cy="0"/>
+          <a:chOff x="0" y="0"/>
+          <a:chExt cx="0" cy="0"/>
+        </a:xfrm>
+      </p:grpSpPr>
+      <p:sp>
+        <p:nvSpPr>
+          <p:cNvPr id="2" name="タイトル 1">
+            <a:extLst>
+              <a:ext uri="{FF2B5EF4-FFF2-40B4-BE49-F238E27FC236}">
+                <a16:creationId xmlns:a16="http://schemas.microsoft.com/office/drawing/2014/main" id="{6306F1DA-0FC8-A5D8-CA50-7EE00A227986}"/>
+              </a:ext>
+            </a:extLst>
+          </p:cNvPr>
+          <p:cNvSpPr>
+            <a:spLocks noGrp="1"/>
+          </p:cNvSpPr>
+          <p:nvPr>
+            <p:ph type="title"/>
+          </p:nvPr>
+        </p:nvSpPr>
+        <p:spPr/>
+        <p:txBody>
+          <a:bodyPr/>
+          <a:lstStyle/>
+          <a:p>
+            <a:r>
+              <a:rPr kumimoji="1" lang="ja-JP" altLang="en-US" dirty="0"/>
+              <a:t>シミュレーション</a:t>
+            </a:r>
+          </a:p>
+        </p:txBody>
+      </p:sp>
+      <p:sp>
+        <p:nvSpPr>
+          <p:cNvPr id="3" name="日付プレースホルダー 2">
+            <a:extLst>
+              <a:ext uri="{FF2B5EF4-FFF2-40B4-BE49-F238E27FC236}">
+                <a16:creationId xmlns:a16="http://schemas.microsoft.com/office/drawing/2014/main" id="{3FEA1273-EF58-9B5C-5190-CCD094D15DCF}"/>
+              </a:ext>
+            </a:extLst>
+          </p:cNvPr>
+          <p:cNvSpPr>
+            <a:spLocks noGrp="1"/>
+          </p:cNvSpPr>
+          <p:nvPr>
+            <p:ph type="dt" sz="half" idx="10"/>
+          </p:nvPr>
+        </p:nvSpPr>
+        <p:spPr/>
+        <p:txBody>
+          <a:bodyPr/>
+          <a:lstStyle/>
+          <a:p>
+            <a:r>
+              <a:rPr kumimoji="1" lang="en-US" altLang="ja-JP"/>
+              <a:t>2023/12/11</a:t>
+            </a:r>
+            <a:endParaRPr kumimoji="1" lang="ja-JP" altLang="en-US"/>
+          </a:p>
+        </p:txBody>
+      </p:sp>
+      <p:sp>
+        <p:nvSpPr>
+          <p:cNvPr id="4" name="スライド番号プレースホルダー 3">
+            <a:extLst>
+              <a:ext uri="{FF2B5EF4-FFF2-40B4-BE49-F238E27FC236}">
+                <a16:creationId xmlns:a16="http://schemas.microsoft.com/office/drawing/2014/main" id="{88979D9E-AE72-5EF0-97E5-A618C9DA72A2}"/>
+              </a:ext>
+            </a:extLst>
+          </p:cNvPr>
+          <p:cNvSpPr>
+            <a:spLocks noGrp="1"/>
+          </p:cNvSpPr>
+          <p:nvPr>
+            <p:ph type="sldNum" sz="quarter" idx="12"/>
+          </p:nvPr>
+        </p:nvSpPr>
+        <p:spPr/>
+        <p:txBody>
+          <a:bodyPr/>
+          <a:lstStyle/>
+          <a:p>
+            <a:fld id="{6294761A-CFE9-4878-87A7-90ECABD59CE5}" type="slidenum">
+              <a:rPr kumimoji="1" lang="ja-JP" altLang="en-US" smtClean="0"/>
+              <a:t>5</a:t>
+            </a:fld>
+            <a:endParaRPr kumimoji="1" lang="ja-JP" altLang="en-US"/>
+          </a:p>
+        </p:txBody>
+      </p:sp>
+      <p:sp>
+        <p:nvSpPr>
+          <p:cNvPr id="5" name="フッター プレースホルダー 4">
+            <a:extLst>
+              <a:ext uri="{FF2B5EF4-FFF2-40B4-BE49-F238E27FC236}">
+                <a16:creationId xmlns:a16="http://schemas.microsoft.com/office/drawing/2014/main" id="{761BCB59-C5A7-FF6E-D8EF-1CE1322E07F6}"/>
+              </a:ext>
+            </a:extLst>
+          </p:cNvPr>
+          <p:cNvSpPr>
+            <a:spLocks noGrp="1"/>
+          </p:cNvSpPr>
+          <p:nvPr>
+            <p:ph type="ftr" sz="quarter" idx="3"/>
+          </p:nvPr>
+        </p:nvSpPr>
+        <p:spPr/>
+        <p:txBody>
+          <a:bodyPr/>
+          <a:lstStyle/>
+          <a:p>
+            <a:r>
+              <a:rPr lang="en-US" altLang="ja-JP"/>
+              <a:t>Wave Signal Processing Circuit Laboratory,  Meiji University</a:t>
+            </a:r>
+            <a:endParaRPr lang="en-US" altLang="ja-JP" dirty="0"/>
+          </a:p>
+        </p:txBody>
+      </p:sp>
+    </p:spTree>
+    <p:extLst>
+      <p:ext uri="{BB962C8B-B14F-4D97-AF65-F5344CB8AC3E}">
+        <p14:creationId xmlns:p14="http://schemas.microsoft.com/office/powerpoint/2010/main" val="824292477"/>
       </p:ext>
     </p:extLst>
   </p:cSld>

--- a/folded_gilbert/seminar/20231205/20231211小島光.pptx
+++ b/folded_gilbert/seminar/20231205/20231211小島光.pptx
@@ -5,7 +5,7 @@
     <p:sldMasterId id="2147483648" r:id="rId1"/>
   </p:sldMasterIdLst>
   <p:notesMasterIdLst>
-    <p:notesMasterId r:id="rId7"/>
+    <p:notesMasterId r:id="rId15"/>
   </p:notesMasterIdLst>
   <p:sldIdLst>
     <p:sldId id="256" r:id="rId2"/>
@@ -13,6 +13,14 @@
     <p:sldId id="258" r:id="rId4"/>
     <p:sldId id="259" r:id="rId5"/>
     <p:sldId id="260" r:id="rId6"/>
+    <p:sldId id="261" r:id="rId7"/>
+    <p:sldId id="262" r:id="rId8"/>
+    <p:sldId id="263" r:id="rId9"/>
+    <p:sldId id="264" r:id="rId10"/>
+    <p:sldId id="265" r:id="rId11"/>
+    <p:sldId id="266" r:id="rId12"/>
+    <p:sldId id="267" r:id="rId13"/>
+    <p:sldId id="268" r:id="rId14"/>
   </p:sldIdLst>
   <p:sldSz cx="12192000" cy="6858000"/>
   <p:notesSz cx="6858000" cy="9144000"/>
@@ -201,7 +209,7 @@
           <a:p>
             <a:fld id="{F8456487-DC86-474A-B4EE-F658698A396D}" type="datetimeFigureOut">
               <a:rPr kumimoji="1" lang="ja-JP" altLang="en-US" smtClean="0"/>
-              <a:t>2023/12/5</a:t>
+              <a:t>2023/12/7</a:t>
             </a:fld>
             <a:endParaRPr kumimoji="1" lang="ja-JP" altLang="en-US"/>
           </a:p>
@@ -4698,7 +4706,22 @@
           <a:bodyPr/>
           <a:lstStyle/>
           <a:p>
-            <a:endParaRPr kumimoji="1" lang="ja-JP" altLang="en-US"/>
+            <a:r>
+              <a:rPr kumimoji="1" lang="en-US" altLang="ja-JP" dirty="0"/>
+              <a:t>S/N</a:t>
+            </a:r>
+            <a:r>
+              <a:rPr lang="ja-JP" altLang="en-US" dirty="0"/>
+              <a:t>比の向上を目的とする</a:t>
+            </a:r>
+            <a:br>
+              <a:rPr lang="en-US" altLang="ja-JP" dirty="0"/>
+            </a:br>
+            <a:r>
+              <a:rPr lang="ja-JP" altLang="en-US" dirty="0"/>
+              <a:t>出力振幅の拡大</a:t>
+            </a:r>
+            <a:endParaRPr kumimoji="1" lang="ja-JP" altLang="en-US" dirty="0"/>
           </a:p>
         </p:txBody>
       </p:sp>
@@ -4723,7 +4746,63 @@
           <a:bodyPr/>
           <a:lstStyle/>
           <a:p>
-            <a:endParaRPr kumimoji="1" lang="ja-JP" altLang="en-US"/>
+            <a:r>
+              <a:rPr kumimoji="1" lang="en-US" altLang="ja-JP" dirty="0"/>
+              <a:t>2023</a:t>
+            </a:r>
+            <a:r>
+              <a:rPr kumimoji="1" lang="ja-JP" altLang="en-US" dirty="0"/>
+              <a:t>年　</a:t>
+            </a:r>
+            <a:r>
+              <a:rPr kumimoji="1" lang="en-US" altLang="ja-JP" dirty="0"/>
+              <a:t>12</a:t>
+            </a:r>
+            <a:r>
+              <a:rPr kumimoji="1" lang="ja-JP" altLang="en-US" dirty="0"/>
+              <a:t>月 </a:t>
+            </a:r>
+            <a:r>
+              <a:rPr kumimoji="1" lang="en-US" altLang="ja-JP" dirty="0"/>
+              <a:t>11</a:t>
+            </a:r>
+            <a:r>
+              <a:rPr kumimoji="1" lang="ja-JP" altLang="en-US" dirty="0"/>
+              <a:t>日</a:t>
+            </a:r>
+            <a:endParaRPr kumimoji="1" lang="en-US" altLang="ja-JP" dirty="0"/>
+          </a:p>
+          <a:p>
+            <a:endParaRPr kumimoji="1" lang="en-US" altLang="ja-JP" dirty="0"/>
+          </a:p>
+          <a:p>
+            <a:r>
+              <a:rPr kumimoji="1" lang="ja-JP" altLang="en-US" dirty="0"/>
+              <a:t>明治大学　波動信号処理回路研究室　</a:t>
+            </a:r>
+            <a:r>
+              <a:rPr kumimoji="1" lang="en-US" altLang="ja-JP" dirty="0"/>
+              <a:t>B4</a:t>
+            </a:r>
+            <a:r>
+              <a:rPr lang="ja-JP" altLang="en-US" dirty="0"/>
+              <a:t> </a:t>
+            </a:r>
+            <a:r>
+              <a:rPr kumimoji="1" lang="ja-JP" altLang="en-US" dirty="0"/>
+              <a:t>小島 光</a:t>
+            </a:r>
+            <a:endParaRPr kumimoji="1" lang="en-US" altLang="ja-JP" dirty="0"/>
+          </a:p>
+          <a:p>
+            <a:endParaRPr lang="en-US" altLang="ja-JP" dirty="0"/>
+          </a:p>
+          <a:p>
+            <a:r>
+              <a:rPr kumimoji="1" lang="en-US" altLang="ja-JP" dirty="0"/>
+              <a:t>E-mail : ee201217@meiji.ac.jp</a:t>
+            </a:r>
+            <a:endParaRPr kumimoji="1" lang="ja-JP" altLang="en-US" dirty="0"/>
           </a:p>
         </p:txBody>
       </p:sp>
@@ -4818,6 +4897,1423 @@
     <p:extLst>
       <p:ext uri="{BB962C8B-B14F-4D97-AF65-F5344CB8AC3E}">
         <p14:creationId xmlns:p14="http://schemas.microsoft.com/office/powerpoint/2010/main" val="1307137312"/>
+      </p:ext>
+    </p:extLst>
+  </p:cSld>
+  <p:clrMapOvr>
+    <a:masterClrMapping/>
+  </p:clrMapOvr>
+</p:sld>
+</file>
+
+<file path=ppt/slides/slide10.xml><?xml version="1.0" encoding="utf-8"?>
+<p:sld xmlns:a="http://schemas.openxmlformats.org/drawingml/2006/main" xmlns:r="http://schemas.openxmlformats.org/officeDocument/2006/relationships" xmlns:p="http://schemas.openxmlformats.org/presentationml/2006/main">
+  <p:cSld>
+    <p:spTree>
+      <p:nvGrpSpPr>
+        <p:cNvPr id="1" name=""/>
+        <p:cNvGrpSpPr/>
+        <p:nvPr/>
+      </p:nvGrpSpPr>
+      <p:grpSpPr>
+        <a:xfrm>
+          <a:off x="0" y="0"/>
+          <a:ext cx="0" cy="0"/>
+          <a:chOff x="0" y="0"/>
+          <a:chExt cx="0" cy="0"/>
+        </a:xfrm>
+      </p:grpSpPr>
+      <p:sp>
+        <p:nvSpPr>
+          <p:cNvPr id="2" name="タイトル 1">
+            <a:extLst>
+              <a:ext uri="{FF2B5EF4-FFF2-40B4-BE49-F238E27FC236}">
+                <a16:creationId xmlns:a16="http://schemas.microsoft.com/office/drawing/2014/main" id="{8CF2710E-0073-452B-D4C8-D8ED8E42385E}"/>
+              </a:ext>
+            </a:extLst>
+          </p:cNvPr>
+          <p:cNvSpPr>
+            <a:spLocks noGrp="1"/>
+          </p:cNvSpPr>
+          <p:nvPr>
+            <p:ph type="title"/>
+          </p:nvPr>
+        </p:nvSpPr>
+        <p:spPr/>
+        <p:txBody>
+          <a:bodyPr/>
+          <a:lstStyle/>
+          <a:p>
+            <a:r>
+              <a:rPr lang="ja-JP" altLang="en-US" sz="4000" dirty="0"/>
+              <a:t>チップレベルでのシミュレーション</a:t>
+            </a:r>
+            <a:endParaRPr kumimoji="1" lang="ja-JP" altLang="en-US" dirty="0"/>
+          </a:p>
+        </p:txBody>
+      </p:sp>
+      <p:sp>
+        <p:nvSpPr>
+          <p:cNvPr id="3" name="日付プレースホルダー 2">
+            <a:extLst>
+              <a:ext uri="{FF2B5EF4-FFF2-40B4-BE49-F238E27FC236}">
+                <a16:creationId xmlns:a16="http://schemas.microsoft.com/office/drawing/2014/main" id="{4E69A628-8F9D-C873-BAD0-54BB5F7896E0}"/>
+              </a:ext>
+            </a:extLst>
+          </p:cNvPr>
+          <p:cNvSpPr>
+            <a:spLocks noGrp="1"/>
+          </p:cNvSpPr>
+          <p:nvPr>
+            <p:ph type="dt" sz="half" idx="10"/>
+          </p:nvPr>
+        </p:nvSpPr>
+        <p:spPr/>
+        <p:txBody>
+          <a:bodyPr/>
+          <a:lstStyle/>
+          <a:p>
+            <a:r>
+              <a:rPr kumimoji="1" lang="en-US" altLang="ja-JP"/>
+              <a:t>2023/12/11</a:t>
+            </a:r>
+            <a:endParaRPr kumimoji="1" lang="ja-JP" altLang="en-US"/>
+          </a:p>
+        </p:txBody>
+      </p:sp>
+      <p:sp>
+        <p:nvSpPr>
+          <p:cNvPr id="4" name="スライド番号プレースホルダー 3">
+            <a:extLst>
+              <a:ext uri="{FF2B5EF4-FFF2-40B4-BE49-F238E27FC236}">
+                <a16:creationId xmlns:a16="http://schemas.microsoft.com/office/drawing/2014/main" id="{4481ACCA-4930-96D0-844C-3388212AD3E5}"/>
+              </a:ext>
+            </a:extLst>
+          </p:cNvPr>
+          <p:cNvSpPr>
+            <a:spLocks noGrp="1"/>
+          </p:cNvSpPr>
+          <p:nvPr>
+            <p:ph type="sldNum" sz="quarter" idx="12"/>
+          </p:nvPr>
+        </p:nvSpPr>
+        <p:spPr/>
+        <p:txBody>
+          <a:bodyPr/>
+          <a:lstStyle/>
+          <a:p>
+            <a:fld id="{6294761A-CFE9-4878-87A7-90ECABD59CE5}" type="slidenum">
+              <a:rPr kumimoji="1" lang="ja-JP" altLang="en-US" smtClean="0"/>
+              <a:t>10</a:t>
+            </a:fld>
+            <a:endParaRPr kumimoji="1" lang="ja-JP" altLang="en-US"/>
+          </a:p>
+        </p:txBody>
+      </p:sp>
+      <p:sp>
+        <p:nvSpPr>
+          <p:cNvPr id="5" name="フッター プレースホルダー 4">
+            <a:extLst>
+              <a:ext uri="{FF2B5EF4-FFF2-40B4-BE49-F238E27FC236}">
+                <a16:creationId xmlns:a16="http://schemas.microsoft.com/office/drawing/2014/main" id="{5C0A4010-4CCB-EDE7-6EBE-8A1FCB148519}"/>
+              </a:ext>
+            </a:extLst>
+          </p:cNvPr>
+          <p:cNvSpPr>
+            <a:spLocks noGrp="1"/>
+          </p:cNvSpPr>
+          <p:nvPr>
+            <p:ph type="ftr" sz="quarter" idx="3"/>
+          </p:nvPr>
+        </p:nvSpPr>
+        <p:spPr/>
+        <p:txBody>
+          <a:bodyPr/>
+          <a:lstStyle/>
+          <a:p>
+            <a:r>
+              <a:rPr lang="en-US" altLang="ja-JP"/>
+              <a:t>Wave Signal Processing Circuit Laboratory,  Meiji University</a:t>
+            </a:r>
+            <a:endParaRPr lang="en-US" altLang="ja-JP" dirty="0"/>
+          </a:p>
+        </p:txBody>
+      </p:sp>
+      <p:pic>
+        <p:nvPicPr>
+          <p:cNvPr id="9" name="図 8" descr="グラフ&#10;&#10;自動的に生成された説明">
+            <a:extLst>
+              <a:ext uri="{FF2B5EF4-FFF2-40B4-BE49-F238E27FC236}">
+                <a16:creationId xmlns:a16="http://schemas.microsoft.com/office/drawing/2014/main" id="{F973CED7-0ADD-1E8B-641A-9C6EAE7A3E3E}"/>
+              </a:ext>
+            </a:extLst>
+          </p:cNvPr>
+          <p:cNvPicPr>
+            <a:picLocks noChangeAspect="1"/>
+          </p:cNvPicPr>
+          <p:nvPr/>
+        </p:nvPicPr>
+        <p:blipFill>
+          <a:blip r:embed="rId2">
+            <a:extLst>
+              <a:ext uri="{28A0092B-C50C-407E-A947-70E740481C1C}">
+                <a14:useLocalDpi xmlns:a14="http://schemas.microsoft.com/office/drawing/2010/main" val="0"/>
+              </a:ext>
+            </a:extLst>
+          </a:blip>
+          <a:stretch>
+            <a:fillRect/>
+          </a:stretch>
+        </p:blipFill>
+        <p:spPr>
+          <a:xfrm>
+            <a:off x="672194" y="1089659"/>
+            <a:ext cx="5423806" cy="3796665"/>
+          </a:xfrm>
+          <a:prstGeom prst="rect">
+            <a:avLst/>
+          </a:prstGeom>
+        </p:spPr>
+      </p:pic>
+      <p:pic>
+        <p:nvPicPr>
+          <p:cNvPr id="11" name="図 10" descr="グラフ&#10;&#10;自動的に生成された説明">
+            <a:extLst>
+              <a:ext uri="{FF2B5EF4-FFF2-40B4-BE49-F238E27FC236}">
+                <a16:creationId xmlns:a16="http://schemas.microsoft.com/office/drawing/2014/main" id="{F288867B-2DCE-4E42-7028-D7A0D01492A0}"/>
+              </a:ext>
+            </a:extLst>
+          </p:cNvPr>
+          <p:cNvPicPr>
+            <a:picLocks noChangeAspect="1"/>
+          </p:cNvPicPr>
+          <p:nvPr/>
+        </p:nvPicPr>
+        <p:blipFill>
+          <a:blip r:embed="rId3">
+            <a:extLst>
+              <a:ext uri="{28A0092B-C50C-407E-A947-70E740481C1C}">
+                <a14:useLocalDpi xmlns:a14="http://schemas.microsoft.com/office/drawing/2010/main" val="0"/>
+              </a:ext>
+            </a:extLst>
+          </a:blip>
+          <a:stretch>
+            <a:fillRect/>
+          </a:stretch>
+        </p:blipFill>
+        <p:spPr>
+          <a:xfrm>
+            <a:off x="6096000" y="1089660"/>
+            <a:ext cx="5423806" cy="3796665"/>
+          </a:xfrm>
+          <a:prstGeom prst="rect">
+            <a:avLst/>
+          </a:prstGeom>
+        </p:spPr>
+      </p:pic>
+      <p:sp>
+        <p:nvSpPr>
+          <p:cNvPr id="12" name="テキスト ボックス 11">
+            <a:extLst>
+              <a:ext uri="{FF2B5EF4-FFF2-40B4-BE49-F238E27FC236}">
+                <a16:creationId xmlns:a16="http://schemas.microsoft.com/office/drawing/2014/main" id="{41A2822E-F4CD-BB62-4426-E60525517E16}"/>
+              </a:ext>
+            </a:extLst>
+          </p:cNvPr>
+          <p:cNvSpPr txBox="1"/>
+          <p:nvPr/>
+        </p:nvSpPr>
+        <p:spPr>
+          <a:xfrm>
+            <a:off x="1745797" y="4880719"/>
+            <a:ext cx="3276600" cy="461665"/>
+          </a:xfrm>
+          <a:prstGeom prst="rect">
+            <a:avLst/>
+          </a:prstGeom>
+          <a:noFill/>
+        </p:spPr>
+        <p:txBody>
+          <a:bodyPr wrap="square" rtlCol="0">
+            <a:spAutoFit/>
+          </a:bodyPr>
+          <a:lstStyle/>
+          <a:p>
+            <a:pPr algn="ctr"/>
+            <a:r>
+              <a:rPr kumimoji="1" lang="en-US" altLang="ja-JP" sz="2400" dirty="0"/>
+              <a:t>DC</a:t>
+            </a:r>
+            <a:r>
+              <a:rPr kumimoji="1" lang="ja-JP" altLang="en-US" sz="2400" dirty="0"/>
+              <a:t>解析結果</a:t>
+            </a:r>
+          </a:p>
+        </p:txBody>
+      </p:sp>
+      <p:sp>
+        <p:nvSpPr>
+          <p:cNvPr id="13" name="テキスト ボックス 12">
+            <a:extLst>
+              <a:ext uri="{FF2B5EF4-FFF2-40B4-BE49-F238E27FC236}">
+                <a16:creationId xmlns:a16="http://schemas.microsoft.com/office/drawing/2014/main" id="{F2C9113C-9112-DF7B-FCFF-DC3526AC3069}"/>
+              </a:ext>
+            </a:extLst>
+          </p:cNvPr>
+          <p:cNvSpPr txBox="1"/>
+          <p:nvPr/>
+        </p:nvSpPr>
+        <p:spPr>
+          <a:xfrm>
+            <a:off x="7169603" y="4880718"/>
+            <a:ext cx="3276600" cy="461665"/>
+          </a:xfrm>
+          <a:prstGeom prst="rect">
+            <a:avLst/>
+          </a:prstGeom>
+          <a:noFill/>
+        </p:spPr>
+        <p:txBody>
+          <a:bodyPr wrap="square" rtlCol="0">
+            <a:spAutoFit/>
+          </a:bodyPr>
+          <a:lstStyle/>
+          <a:p>
+            <a:pPr algn="ctr"/>
+            <a:r>
+              <a:rPr lang="en-US" altLang="ja-JP" sz="2400" dirty="0"/>
+              <a:t>AC</a:t>
+            </a:r>
+            <a:r>
+              <a:rPr kumimoji="1" lang="ja-JP" altLang="en-US" sz="2400" dirty="0"/>
+              <a:t>解析結果</a:t>
+            </a:r>
+          </a:p>
+        </p:txBody>
+      </p:sp>
+      <p:sp>
+        <p:nvSpPr>
+          <p:cNvPr id="14" name="テキスト ボックス 13">
+            <a:extLst>
+              <a:ext uri="{FF2B5EF4-FFF2-40B4-BE49-F238E27FC236}">
+                <a16:creationId xmlns:a16="http://schemas.microsoft.com/office/drawing/2014/main" id="{2B2A4EFD-E05B-0F12-46E5-0093CEF045EC}"/>
+              </a:ext>
+            </a:extLst>
+          </p:cNvPr>
+          <p:cNvSpPr txBox="1"/>
+          <p:nvPr/>
+        </p:nvSpPr>
+        <p:spPr>
+          <a:xfrm>
+            <a:off x="2100573" y="5352841"/>
+            <a:ext cx="7990853" cy="1200329"/>
+          </a:xfrm>
+          <a:prstGeom prst="rect">
+            <a:avLst/>
+          </a:prstGeom>
+          <a:noFill/>
+        </p:spPr>
+        <p:txBody>
+          <a:bodyPr wrap="square" rtlCol="0">
+            <a:spAutoFit/>
+          </a:bodyPr>
+          <a:lstStyle/>
+          <a:p>
+            <a:pPr algn="ctr"/>
+            <a:r>
+              <a:rPr kumimoji="1" lang="ja-JP" altLang="en-US" sz="2400" dirty="0"/>
+              <a:t>乗算はできていることが分かる。</a:t>
+            </a:r>
+            <a:endParaRPr kumimoji="1" lang="en-US" altLang="ja-JP" sz="2400" dirty="0"/>
+          </a:p>
+          <a:p>
+            <a:pPr algn="ctr"/>
+            <a:r>
+              <a:rPr lang="ja-JP" altLang="en-US" sz="2400" dirty="0"/>
+              <a:t>測定の都合で</a:t>
+            </a:r>
+            <a:r>
+              <a:rPr lang="en-US" altLang="ja-JP" sz="2400" dirty="0"/>
+              <a:t>1/4</a:t>
+            </a:r>
+            <a:r>
+              <a:rPr lang="ja-JP" altLang="en-US" sz="2400" dirty="0"/>
+              <a:t>倍、</a:t>
+            </a:r>
+            <a:r>
+              <a:rPr lang="en-US" altLang="ja-JP" sz="2400" dirty="0"/>
+              <a:t>-12 dB</a:t>
+            </a:r>
+            <a:r>
+              <a:rPr lang="ja-JP" altLang="en-US" sz="2400" dirty="0"/>
+              <a:t>程度減衰している。</a:t>
+            </a:r>
+            <a:endParaRPr lang="en-US" altLang="ja-JP" sz="2400" dirty="0"/>
+          </a:p>
+          <a:p>
+            <a:pPr algn="ctr"/>
+            <a:r>
+              <a:rPr lang="ja-JP" altLang="en-US" sz="2400" dirty="0"/>
+              <a:t>それほど性能は落ちていなそう。</a:t>
+            </a:r>
+            <a:endParaRPr lang="en-US" altLang="ja-JP" sz="2400" dirty="0"/>
+          </a:p>
+        </p:txBody>
+      </p:sp>
+    </p:spTree>
+    <p:extLst>
+      <p:ext uri="{BB962C8B-B14F-4D97-AF65-F5344CB8AC3E}">
+        <p14:creationId xmlns:p14="http://schemas.microsoft.com/office/powerpoint/2010/main" val="616673786"/>
+      </p:ext>
+    </p:extLst>
+  </p:cSld>
+  <p:clrMapOvr>
+    <a:masterClrMapping/>
+  </p:clrMapOvr>
+</p:sld>
+</file>
+
+<file path=ppt/slides/slide11.xml><?xml version="1.0" encoding="utf-8"?>
+<p:sld xmlns:a="http://schemas.openxmlformats.org/drawingml/2006/main" xmlns:r="http://schemas.openxmlformats.org/officeDocument/2006/relationships" xmlns:p="http://schemas.openxmlformats.org/presentationml/2006/main">
+  <p:cSld>
+    <p:spTree>
+      <p:nvGrpSpPr>
+        <p:cNvPr id="1" name=""/>
+        <p:cNvGrpSpPr/>
+        <p:nvPr/>
+      </p:nvGrpSpPr>
+      <p:grpSpPr>
+        <a:xfrm>
+          <a:off x="0" y="0"/>
+          <a:ext cx="0" cy="0"/>
+          <a:chOff x="0" y="0"/>
+          <a:chExt cx="0" cy="0"/>
+        </a:xfrm>
+      </p:grpSpPr>
+      <p:sp>
+        <p:nvSpPr>
+          <p:cNvPr id="2" name="タイトル 1">
+            <a:extLst>
+              <a:ext uri="{FF2B5EF4-FFF2-40B4-BE49-F238E27FC236}">
+                <a16:creationId xmlns:a16="http://schemas.microsoft.com/office/drawing/2014/main" id="{67972F2B-2C4B-928C-9AE7-302B9A86191B}"/>
+              </a:ext>
+            </a:extLst>
+          </p:cNvPr>
+          <p:cNvSpPr>
+            <a:spLocks noGrp="1"/>
+          </p:cNvSpPr>
+          <p:nvPr>
+            <p:ph type="title"/>
+          </p:nvPr>
+        </p:nvSpPr>
+        <p:spPr/>
+        <p:txBody>
+          <a:bodyPr/>
+          <a:lstStyle/>
+          <a:p>
+            <a:r>
+              <a:rPr lang="ja-JP" altLang="en-US" sz="4000" dirty="0"/>
+              <a:t>チップレベルでのシミュレーション</a:t>
+            </a:r>
+            <a:endParaRPr kumimoji="1" lang="ja-JP" altLang="en-US" dirty="0"/>
+          </a:p>
+        </p:txBody>
+      </p:sp>
+      <p:sp>
+        <p:nvSpPr>
+          <p:cNvPr id="3" name="日付プレースホルダー 2">
+            <a:extLst>
+              <a:ext uri="{FF2B5EF4-FFF2-40B4-BE49-F238E27FC236}">
+                <a16:creationId xmlns:a16="http://schemas.microsoft.com/office/drawing/2014/main" id="{2B444E6D-D2D9-9FCC-FE37-CF78234D1571}"/>
+              </a:ext>
+            </a:extLst>
+          </p:cNvPr>
+          <p:cNvSpPr>
+            <a:spLocks noGrp="1"/>
+          </p:cNvSpPr>
+          <p:nvPr>
+            <p:ph type="dt" sz="half" idx="10"/>
+          </p:nvPr>
+        </p:nvSpPr>
+        <p:spPr/>
+        <p:txBody>
+          <a:bodyPr/>
+          <a:lstStyle/>
+          <a:p>
+            <a:r>
+              <a:rPr kumimoji="1" lang="en-US" altLang="ja-JP"/>
+              <a:t>2023/12/11</a:t>
+            </a:r>
+            <a:endParaRPr kumimoji="1" lang="ja-JP" altLang="en-US"/>
+          </a:p>
+        </p:txBody>
+      </p:sp>
+      <p:sp>
+        <p:nvSpPr>
+          <p:cNvPr id="4" name="スライド番号プレースホルダー 3">
+            <a:extLst>
+              <a:ext uri="{FF2B5EF4-FFF2-40B4-BE49-F238E27FC236}">
+                <a16:creationId xmlns:a16="http://schemas.microsoft.com/office/drawing/2014/main" id="{CEA86A10-5D1E-4532-D469-29B64B11DF55}"/>
+              </a:ext>
+            </a:extLst>
+          </p:cNvPr>
+          <p:cNvSpPr>
+            <a:spLocks noGrp="1"/>
+          </p:cNvSpPr>
+          <p:nvPr>
+            <p:ph type="sldNum" sz="quarter" idx="12"/>
+          </p:nvPr>
+        </p:nvSpPr>
+        <p:spPr/>
+        <p:txBody>
+          <a:bodyPr/>
+          <a:lstStyle/>
+          <a:p>
+            <a:fld id="{6294761A-CFE9-4878-87A7-90ECABD59CE5}" type="slidenum">
+              <a:rPr kumimoji="1" lang="ja-JP" altLang="en-US" smtClean="0"/>
+              <a:t>11</a:t>
+            </a:fld>
+            <a:endParaRPr kumimoji="1" lang="ja-JP" altLang="en-US"/>
+          </a:p>
+        </p:txBody>
+      </p:sp>
+      <p:sp>
+        <p:nvSpPr>
+          <p:cNvPr id="5" name="フッター プレースホルダー 4">
+            <a:extLst>
+              <a:ext uri="{FF2B5EF4-FFF2-40B4-BE49-F238E27FC236}">
+                <a16:creationId xmlns:a16="http://schemas.microsoft.com/office/drawing/2014/main" id="{B69C7189-5F8C-8E48-67DE-F96ACBD1E2AF}"/>
+              </a:ext>
+            </a:extLst>
+          </p:cNvPr>
+          <p:cNvSpPr>
+            <a:spLocks noGrp="1"/>
+          </p:cNvSpPr>
+          <p:nvPr>
+            <p:ph type="ftr" sz="quarter" idx="3"/>
+          </p:nvPr>
+        </p:nvSpPr>
+        <p:spPr/>
+        <p:txBody>
+          <a:bodyPr/>
+          <a:lstStyle/>
+          <a:p>
+            <a:r>
+              <a:rPr lang="en-US" altLang="ja-JP"/>
+              <a:t>Wave Signal Processing Circuit Laboratory,  Meiji University</a:t>
+            </a:r>
+            <a:endParaRPr lang="en-US" altLang="ja-JP" dirty="0"/>
+          </a:p>
+        </p:txBody>
+      </p:sp>
+      <p:pic>
+        <p:nvPicPr>
+          <p:cNvPr id="9" name="図 8" descr="グラフ&#10;&#10;自動的に生成された説明">
+            <a:extLst>
+              <a:ext uri="{FF2B5EF4-FFF2-40B4-BE49-F238E27FC236}">
+                <a16:creationId xmlns:a16="http://schemas.microsoft.com/office/drawing/2014/main" id="{BB410ED1-D7BC-1809-AFFB-58B7A3926076}"/>
+              </a:ext>
+            </a:extLst>
+          </p:cNvPr>
+          <p:cNvPicPr>
+            <a:picLocks noChangeAspect="1"/>
+          </p:cNvPicPr>
+          <p:nvPr/>
+        </p:nvPicPr>
+        <p:blipFill>
+          <a:blip r:embed="rId2">
+            <a:extLst>
+              <a:ext uri="{28A0092B-C50C-407E-A947-70E740481C1C}">
+                <a14:useLocalDpi xmlns:a14="http://schemas.microsoft.com/office/drawing/2010/main" val="0"/>
+              </a:ext>
+            </a:extLst>
+          </a:blip>
+          <a:stretch>
+            <a:fillRect/>
+          </a:stretch>
+        </p:blipFill>
+        <p:spPr>
+          <a:xfrm>
+            <a:off x="0" y="1065163"/>
+            <a:ext cx="6192114" cy="4334480"/>
+          </a:xfrm>
+          <a:prstGeom prst="rect">
+            <a:avLst/>
+          </a:prstGeom>
+        </p:spPr>
+      </p:pic>
+      <mc:AlternateContent xmlns:mc="http://schemas.openxmlformats.org/markup-compatibility/2006">
+        <mc:Choice xmlns:a14="http://schemas.microsoft.com/office/drawing/2010/main" Requires="a14">
+          <p:sp>
+            <p:nvSpPr>
+              <p:cNvPr id="12" name="テキスト ボックス 11">
+                <a:extLst>
+                  <a:ext uri="{FF2B5EF4-FFF2-40B4-BE49-F238E27FC236}">
+                    <a16:creationId xmlns:a16="http://schemas.microsoft.com/office/drawing/2014/main" id="{FA86547D-16AD-00D1-6376-9CA9C60F6F36}"/>
+                  </a:ext>
+                </a:extLst>
+              </p:cNvPr>
+              <p:cNvSpPr txBox="1"/>
+              <p:nvPr/>
+            </p:nvSpPr>
+            <p:spPr>
+              <a:xfrm>
+                <a:off x="2476769" y="5513695"/>
+                <a:ext cx="7534275" cy="830997"/>
+              </a:xfrm>
+              <a:prstGeom prst="rect">
+                <a:avLst/>
+              </a:prstGeom>
+              <a:noFill/>
+            </p:spPr>
+            <p:txBody>
+              <a:bodyPr wrap="square" rtlCol="0">
+                <a:spAutoFit/>
+              </a:bodyPr>
+              <a:lstStyle/>
+              <a:p>
+                <a:pPr algn="ctr"/>
+                <a14:m>
+                  <m:oMath xmlns:m="http://schemas.openxmlformats.org/officeDocument/2006/math">
+                    <m:sSub>
+                      <m:sSubPr>
+                        <m:ctrlPr>
+                          <a:rPr kumimoji="1" lang="en-US" altLang="ja-JP" sz="2400" b="0" i="1" smtClean="0">
+                            <a:latin typeface="Cambria Math" panose="02040503050406030204" pitchFamily="18" charset="0"/>
+                          </a:rPr>
+                        </m:ctrlPr>
+                      </m:sSubPr>
+                      <m:e>
+                        <m:r>
+                          <a:rPr kumimoji="1" lang="en-US" altLang="ja-JP" sz="2400" b="0" i="1" smtClean="0">
+                            <a:latin typeface="Cambria Math" panose="02040503050406030204" pitchFamily="18" charset="0"/>
+                          </a:rPr>
+                          <m:t>𝑣</m:t>
+                        </m:r>
+                      </m:e>
+                      <m:sub>
+                        <m:r>
+                          <a:rPr kumimoji="1" lang="en-US" altLang="ja-JP" sz="2400" b="0" i="1" smtClean="0">
+                            <a:latin typeface="Cambria Math" panose="02040503050406030204" pitchFamily="18" charset="0"/>
+                          </a:rPr>
+                          <m:t>𝑖𝑛</m:t>
+                        </m:r>
+                      </m:sub>
+                    </m:sSub>
+                    <m:r>
+                      <a:rPr kumimoji="1" lang="en-US" altLang="ja-JP" sz="2400" b="0" i="1" smtClean="0">
+                        <a:latin typeface="Cambria Math" panose="02040503050406030204" pitchFamily="18" charset="0"/>
+                      </a:rPr>
+                      <m:t>=0.2 </m:t>
+                    </m:r>
+                    <m:r>
+                      <m:rPr>
+                        <m:sty m:val="p"/>
+                      </m:rPr>
+                      <a:rPr kumimoji="1" lang="en-US" altLang="ja-JP" sz="2400" b="0" i="0" smtClean="0">
+                        <a:latin typeface="Cambria Math" panose="02040503050406030204" pitchFamily="18" charset="0"/>
+                      </a:rPr>
+                      <m:t>V</m:t>
+                    </m:r>
+                    <m:r>
+                      <a:rPr kumimoji="1" lang="en-US" altLang="ja-JP" sz="2400" b="0" i="1" smtClean="0">
+                        <a:latin typeface="Cambria Math" panose="02040503050406030204" pitchFamily="18" charset="0"/>
+                      </a:rPr>
+                      <m:t>, </m:t>
+                    </m:r>
+                    <m:sSub>
+                      <m:sSubPr>
+                        <m:ctrlPr>
+                          <a:rPr kumimoji="1" lang="en-US" altLang="ja-JP" sz="2400" b="0" i="1" smtClean="0">
+                            <a:latin typeface="Cambria Math" panose="02040503050406030204" pitchFamily="18" charset="0"/>
+                          </a:rPr>
+                        </m:ctrlPr>
+                      </m:sSubPr>
+                      <m:e>
+                        <m:r>
+                          <a:rPr kumimoji="1" lang="en-US" altLang="ja-JP" sz="2400" b="0" i="1" smtClean="0">
+                            <a:latin typeface="Cambria Math" panose="02040503050406030204" pitchFamily="18" charset="0"/>
+                          </a:rPr>
+                          <m:t>𝑉</m:t>
+                        </m:r>
+                      </m:e>
+                      <m:sub>
+                        <m:r>
+                          <a:rPr kumimoji="1" lang="en-US" altLang="ja-JP" sz="2400" b="0" i="1" smtClean="0">
+                            <a:latin typeface="Cambria Math" panose="02040503050406030204" pitchFamily="18" charset="0"/>
+                          </a:rPr>
+                          <m:t>𝐶𝑇𝑅𝐿</m:t>
+                        </m:r>
+                      </m:sub>
+                    </m:sSub>
+                    <m:r>
+                      <a:rPr kumimoji="1" lang="en-US" altLang="ja-JP" sz="2400" b="0" i="1" smtClean="0">
+                        <a:latin typeface="Cambria Math" panose="02040503050406030204" pitchFamily="18" charset="0"/>
+                      </a:rPr>
+                      <m:t>=0.1</m:t>
+                    </m:r>
+                    <m:r>
+                      <a:rPr kumimoji="1" lang="en-US" altLang="ja-JP" sz="2400" b="0" i="0" smtClean="0">
+                        <a:latin typeface="Cambria Math" panose="02040503050406030204" pitchFamily="18" charset="0"/>
+                      </a:rPr>
+                      <m:t> </m:t>
+                    </m:r>
+                    <m:r>
+                      <m:rPr>
+                        <m:sty m:val="p"/>
+                      </m:rPr>
+                      <a:rPr kumimoji="1" lang="en-US" altLang="ja-JP" sz="2400" b="0" i="0" smtClean="0">
+                        <a:latin typeface="Cambria Math" panose="02040503050406030204" pitchFamily="18" charset="0"/>
+                      </a:rPr>
+                      <m:t>V</m:t>
+                    </m:r>
+                  </m:oMath>
+                </a14:m>
+                <a:r>
+                  <a:rPr kumimoji="1" lang="ja-JP" altLang="en-US" sz="2400" dirty="0"/>
+                  <a:t>での過渡解析とその</a:t>
+                </a:r>
+                <a:r>
+                  <a:rPr kumimoji="1" lang="en-US" altLang="ja-JP" sz="2400" dirty="0" err="1"/>
+                  <a:t>dft</a:t>
+                </a:r>
+                <a:r>
+                  <a:rPr kumimoji="1" lang="ja-JP" altLang="en-US" sz="2400" dirty="0"/>
+                  <a:t>。</a:t>
+                </a:r>
+                <a:endParaRPr kumimoji="1" lang="en-US" altLang="ja-JP" sz="2400" dirty="0"/>
+              </a:p>
+              <a:p>
+                <a:pPr algn="ctr"/>
+                <a:r>
+                  <a:rPr kumimoji="1" lang="ja-JP" altLang="en-US" sz="2400" dirty="0"/>
+                  <a:t>入力の半分の電圧が回路に入る。</a:t>
+                </a:r>
+                <a:endParaRPr kumimoji="1" lang="en-US" altLang="ja-JP" sz="2400" dirty="0"/>
+              </a:p>
+            </p:txBody>
+          </p:sp>
+        </mc:Choice>
+        <mc:Fallback>
+          <p:sp>
+            <p:nvSpPr>
+              <p:cNvPr id="12" name="テキスト ボックス 11">
+                <a:extLst>
+                  <a:ext uri="{FF2B5EF4-FFF2-40B4-BE49-F238E27FC236}">
+                    <a16:creationId xmlns:a16="http://schemas.microsoft.com/office/drawing/2014/main" id="{FA86547D-16AD-00D1-6376-9CA9C60F6F36}"/>
+                  </a:ext>
+                </a:extLst>
+              </p:cNvPr>
+              <p:cNvSpPr txBox="1">
+                <a:spLocks noRot="1" noChangeAspect="1" noMove="1" noResize="1" noEditPoints="1" noAdjustHandles="1" noChangeArrowheads="1" noChangeShapeType="1" noTextEdit="1"/>
+              </p:cNvSpPr>
+              <p:nvPr/>
+            </p:nvSpPr>
+            <p:spPr>
+              <a:xfrm>
+                <a:off x="2476769" y="5513695"/>
+                <a:ext cx="7534275" cy="830997"/>
+              </a:xfrm>
+              <a:prstGeom prst="rect">
+                <a:avLst/>
+              </a:prstGeom>
+              <a:blipFill>
+                <a:blip r:embed="rId3"/>
+                <a:stretch>
+                  <a:fillRect t="-5839" b="-15328"/>
+                </a:stretch>
+              </a:blipFill>
+            </p:spPr>
+            <p:txBody>
+              <a:bodyPr/>
+              <a:lstStyle/>
+              <a:p>
+                <a:r>
+                  <a:rPr lang="ja-JP" altLang="en-US">
+                    <a:noFill/>
+                  </a:rPr>
+                  <a:t> </a:t>
+                </a:r>
+              </a:p>
+            </p:txBody>
+          </p:sp>
+        </mc:Fallback>
+      </mc:AlternateContent>
+      <p:pic>
+        <p:nvPicPr>
+          <p:cNvPr id="16" name="図 15" descr="グラフ, 折れ線グラフ&#10;&#10;自動的に生成された説明">
+            <a:extLst>
+              <a:ext uri="{FF2B5EF4-FFF2-40B4-BE49-F238E27FC236}">
+                <a16:creationId xmlns:a16="http://schemas.microsoft.com/office/drawing/2014/main" id="{8FE58511-81BF-7960-C879-39FD861CC9C0}"/>
+              </a:ext>
+            </a:extLst>
+          </p:cNvPr>
+          <p:cNvPicPr>
+            <a:picLocks noChangeAspect="1"/>
+          </p:cNvPicPr>
+          <p:nvPr/>
+        </p:nvPicPr>
+        <p:blipFill>
+          <a:blip r:embed="rId4">
+            <a:extLst>
+              <a:ext uri="{28A0092B-C50C-407E-A947-70E740481C1C}">
+                <a14:useLocalDpi xmlns:a14="http://schemas.microsoft.com/office/drawing/2010/main" val="0"/>
+              </a:ext>
+            </a:extLst>
+          </a:blip>
+          <a:stretch>
+            <a:fillRect/>
+          </a:stretch>
+        </p:blipFill>
+        <p:spPr>
+          <a:xfrm>
+            <a:off x="5999886" y="1065163"/>
+            <a:ext cx="6192114" cy="4334480"/>
+          </a:xfrm>
+          <a:prstGeom prst="rect">
+            <a:avLst/>
+          </a:prstGeom>
+        </p:spPr>
+      </p:pic>
+    </p:spTree>
+    <p:extLst>
+      <p:ext uri="{BB962C8B-B14F-4D97-AF65-F5344CB8AC3E}">
+        <p14:creationId xmlns:p14="http://schemas.microsoft.com/office/powerpoint/2010/main" val="3336835615"/>
+      </p:ext>
+    </p:extLst>
+  </p:cSld>
+  <p:clrMapOvr>
+    <a:masterClrMapping/>
+  </p:clrMapOvr>
+</p:sld>
+</file>
+
+<file path=ppt/slides/slide12.xml><?xml version="1.0" encoding="utf-8"?>
+<p:sld xmlns:a="http://schemas.openxmlformats.org/drawingml/2006/main" xmlns:r="http://schemas.openxmlformats.org/officeDocument/2006/relationships" xmlns:p="http://schemas.openxmlformats.org/presentationml/2006/main">
+  <p:cSld>
+    <p:spTree>
+      <p:nvGrpSpPr>
+        <p:cNvPr id="1" name=""/>
+        <p:cNvGrpSpPr/>
+        <p:nvPr/>
+      </p:nvGrpSpPr>
+      <p:grpSpPr>
+        <a:xfrm>
+          <a:off x="0" y="0"/>
+          <a:ext cx="0" cy="0"/>
+          <a:chOff x="0" y="0"/>
+          <a:chExt cx="0" cy="0"/>
+        </a:xfrm>
+      </p:grpSpPr>
+      <p:sp>
+        <p:nvSpPr>
+          <p:cNvPr id="2" name="タイトル 1">
+            <a:extLst>
+              <a:ext uri="{FF2B5EF4-FFF2-40B4-BE49-F238E27FC236}">
+                <a16:creationId xmlns:a16="http://schemas.microsoft.com/office/drawing/2014/main" id="{0A19BCA1-3138-4BD6-09BC-118153228145}"/>
+              </a:ext>
+            </a:extLst>
+          </p:cNvPr>
+          <p:cNvSpPr>
+            <a:spLocks noGrp="1"/>
+          </p:cNvSpPr>
+          <p:nvPr>
+            <p:ph type="title"/>
+          </p:nvPr>
+        </p:nvSpPr>
+        <p:spPr/>
+        <p:txBody>
+          <a:bodyPr/>
+          <a:lstStyle/>
+          <a:p>
+            <a:r>
+              <a:rPr lang="ja-JP" altLang="en-US" sz="4000" dirty="0"/>
+              <a:t>チップレベルでのシミュレーション</a:t>
+            </a:r>
+            <a:endParaRPr kumimoji="1" lang="ja-JP" altLang="en-US" dirty="0"/>
+          </a:p>
+        </p:txBody>
+      </p:sp>
+      <p:sp>
+        <p:nvSpPr>
+          <p:cNvPr id="3" name="日付プレースホルダー 2">
+            <a:extLst>
+              <a:ext uri="{FF2B5EF4-FFF2-40B4-BE49-F238E27FC236}">
+                <a16:creationId xmlns:a16="http://schemas.microsoft.com/office/drawing/2014/main" id="{AA7554E5-1E11-578E-8662-2DB61564D71C}"/>
+              </a:ext>
+            </a:extLst>
+          </p:cNvPr>
+          <p:cNvSpPr>
+            <a:spLocks noGrp="1"/>
+          </p:cNvSpPr>
+          <p:nvPr>
+            <p:ph type="dt" sz="half" idx="10"/>
+          </p:nvPr>
+        </p:nvSpPr>
+        <p:spPr/>
+        <p:txBody>
+          <a:bodyPr/>
+          <a:lstStyle/>
+          <a:p>
+            <a:r>
+              <a:rPr kumimoji="1" lang="en-US" altLang="ja-JP"/>
+              <a:t>2023/12/11</a:t>
+            </a:r>
+            <a:endParaRPr kumimoji="1" lang="ja-JP" altLang="en-US"/>
+          </a:p>
+        </p:txBody>
+      </p:sp>
+      <p:sp>
+        <p:nvSpPr>
+          <p:cNvPr id="4" name="スライド番号プレースホルダー 3">
+            <a:extLst>
+              <a:ext uri="{FF2B5EF4-FFF2-40B4-BE49-F238E27FC236}">
+                <a16:creationId xmlns:a16="http://schemas.microsoft.com/office/drawing/2014/main" id="{2709618E-640E-0B42-0EF1-F745080FB330}"/>
+              </a:ext>
+            </a:extLst>
+          </p:cNvPr>
+          <p:cNvSpPr>
+            <a:spLocks noGrp="1"/>
+          </p:cNvSpPr>
+          <p:nvPr>
+            <p:ph type="sldNum" sz="quarter" idx="12"/>
+          </p:nvPr>
+        </p:nvSpPr>
+        <p:spPr/>
+        <p:txBody>
+          <a:bodyPr/>
+          <a:lstStyle/>
+          <a:p>
+            <a:fld id="{6294761A-CFE9-4878-87A7-90ECABD59CE5}" type="slidenum">
+              <a:rPr kumimoji="1" lang="ja-JP" altLang="en-US" smtClean="0"/>
+              <a:t>12</a:t>
+            </a:fld>
+            <a:endParaRPr kumimoji="1" lang="ja-JP" altLang="en-US"/>
+          </a:p>
+        </p:txBody>
+      </p:sp>
+      <p:sp>
+        <p:nvSpPr>
+          <p:cNvPr id="5" name="フッター プレースホルダー 4">
+            <a:extLst>
+              <a:ext uri="{FF2B5EF4-FFF2-40B4-BE49-F238E27FC236}">
+                <a16:creationId xmlns:a16="http://schemas.microsoft.com/office/drawing/2014/main" id="{33AB1F71-B7C6-956B-111E-B4301A457CCA}"/>
+              </a:ext>
+            </a:extLst>
+          </p:cNvPr>
+          <p:cNvSpPr>
+            <a:spLocks noGrp="1"/>
+          </p:cNvSpPr>
+          <p:nvPr>
+            <p:ph type="ftr" sz="quarter" idx="3"/>
+          </p:nvPr>
+        </p:nvSpPr>
+        <p:spPr/>
+        <p:txBody>
+          <a:bodyPr/>
+          <a:lstStyle/>
+          <a:p>
+            <a:r>
+              <a:rPr lang="en-US" altLang="ja-JP"/>
+              <a:t>Wave Signal Processing Circuit Laboratory,  Meiji University</a:t>
+            </a:r>
+            <a:endParaRPr lang="en-US" altLang="ja-JP" dirty="0"/>
+          </a:p>
+        </p:txBody>
+      </p:sp>
+      <mc:AlternateContent xmlns:mc="http://schemas.openxmlformats.org/markup-compatibility/2006">
+        <mc:Choice xmlns:a14="http://schemas.microsoft.com/office/drawing/2010/main" Requires="a14">
+          <p:sp>
+            <p:nvSpPr>
+              <p:cNvPr id="6" name="テキスト ボックス 5">
+                <a:extLst>
+                  <a:ext uri="{FF2B5EF4-FFF2-40B4-BE49-F238E27FC236}">
+                    <a16:creationId xmlns:a16="http://schemas.microsoft.com/office/drawing/2014/main" id="{FC3ACE26-D6D6-56F4-685A-858AA58F0EBD}"/>
+                  </a:ext>
+                </a:extLst>
+              </p:cNvPr>
+              <p:cNvSpPr txBox="1"/>
+              <p:nvPr/>
+            </p:nvSpPr>
+            <p:spPr>
+              <a:xfrm>
+                <a:off x="1092795" y="5481055"/>
+                <a:ext cx="10006410" cy="830997"/>
+              </a:xfrm>
+              <a:prstGeom prst="rect">
+                <a:avLst/>
+              </a:prstGeom>
+              <a:noFill/>
+            </p:spPr>
+            <p:txBody>
+              <a:bodyPr wrap="square" rtlCol="0">
+                <a:spAutoFit/>
+              </a:bodyPr>
+              <a:lstStyle/>
+              <a:p>
+                <a:pPr algn="ctr"/>
+                <a14:m>
+                  <m:oMath xmlns:m="http://schemas.openxmlformats.org/officeDocument/2006/math">
+                    <m:sSub>
+                      <m:sSubPr>
+                        <m:ctrlPr>
+                          <a:rPr kumimoji="1" lang="en-US" altLang="ja-JP" sz="2400" b="0" i="1" smtClean="0">
+                            <a:latin typeface="Cambria Math" panose="02040503050406030204" pitchFamily="18" charset="0"/>
+                          </a:rPr>
+                        </m:ctrlPr>
+                      </m:sSubPr>
+                      <m:e>
+                        <m:r>
+                          <a:rPr kumimoji="1" lang="en-US" altLang="ja-JP" sz="2400" b="0" i="1" smtClean="0">
+                            <a:latin typeface="Cambria Math" panose="02040503050406030204" pitchFamily="18" charset="0"/>
+                          </a:rPr>
+                          <m:t>𝑣</m:t>
+                        </m:r>
+                      </m:e>
+                      <m:sub>
+                        <m:r>
+                          <a:rPr kumimoji="1" lang="en-US" altLang="ja-JP" sz="2400" b="0" i="1" smtClean="0">
+                            <a:latin typeface="Cambria Math" panose="02040503050406030204" pitchFamily="18" charset="0"/>
+                          </a:rPr>
+                          <m:t>𝑖𝑛</m:t>
+                        </m:r>
+                      </m:sub>
+                    </m:sSub>
+                    <m:r>
+                      <a:rPr kumimoji="1" lang="en-US" altLang="ja-JP" sz="2400" b="0" i="1" smtClean="0">
+                        <a:latin typeface="Cambria Math" panose="02040503050406030204" pitchFamily="18" charset="0"/>
+                      </a:rPr>
+                      <m:t>=0.4 </m:t>
+                    </m:r>
+                    <m:r>
+                      <m:rPr>
+                        <m:sty m:val="p"/>
+                      </m:rPr>
+                      <a:rPr kumimoji="1" lang="en-US" altLang="ja-JP" sz="2400" b="0" i="0" smtClean="0">
+                        <a:latin typeface="Cambria Math" panose="02040503050406030204" pitchFamily="18" charset="0"/>
+                      </a:rPr>
+                      <m:t>V</m:t>
+                    </m:r>
+                    <m:r>
+                      <a:rPr kumimoji="1" lang="en-US" altLang="ja-JP" sz="2400" b="0" i="1" smtClean="0">
+                        <a:latin typeface="Cambria Math" panose="02040503050406030204" pitchFamily="18" charset="0"/>
+                      </a:rPr>
+                      <m:t>, </m:t>
+                    </m:r>
+                    <m:sSub>
+                      <m:sSubPr>
+                        <m:ctrlPr>
+                          <a:rPr kumimoji="1" lang="en-US" altLang="ja-JP" sz="2400" b="0" i="1" smtClean="0">
+                            <a:latin typeface="Cambria Math" panose="02040503050406030204" pitchFamily="18" charset="0"/>
+                          </a:rPr>
+                        </m:ctrlPr>
+                      </m:sSubPr>
+                      <m:e>
+                        <m:r>
+                          <a:rPr kumimoji="1" lang="en-US" altLang="ja-JP" sz="2400" b="0" i="1" smtClean="0">
+                            <a:latin typeface="Cambria Math" panose="02040503050406030204" pitchFamily="18" charset="0"/>
+                          </a:rPr>
+                          <m:t>𝑉</m:t>
+                        </m:r>
+                      </m:e>
+                      <m:sub>
+                        <m:r>
+                          <a:rPr kumimoji="1" lang="en-US" altLang="ja-JP" sz="2400" b="0" i="1" smtClean="0">
+                            <a:latin typeface="Cambria Math" panose="02040503050406030204" pitchFamily="18" charset="0"/>
+                          </a:rPr>
+                          <m:t>𝐶𝑇𝑅𝐿</m:t>
+                        </m:r>
+                      </m:sub>
+                    </m:sSub>
+                    <m:r>
+                      <a:rPr kumimoji="1" lang="en-US" altLang="ja-JP" sz="2400" b="0" i="1" smtClean="0">
+                        <a:latin typeface="Cambria Math" panose="02040503050406030204" pitchFamily="18" charset="0"/>
+                      </a:rPr>
+                      <m:t>=0.1</m:t>
+                    </m:r>
+                    <m:r>
+                      <a:rPr kumimoji="1" lang="en-US" altLang="ja-JP" sz="2400" b="0" i="0" smtClean="0">
+                        <a:latin typeface="Cambria Math" panose="02040503050406030204" pitchFamily="18" charset="0"/>
+                      </a:rPr>
+                      <m:t> </m:t>
+                    </m:r>
+                    <m:r>
+                      <m:rPr>
+                        <m:sty m:val="p"/>
+                      </m:rPr>
+                      <a:rPr kumimoji="1" lang="en-US" altLang="ja-JP" sz="2400" b="0" i="0" smtClean="0">
+                        <a:latin typeface="Cambria Math" panose="02040503050406030204" pitchFamily="18" charset="0"/>
+                      </a:rPr>
+                      <m:t>V</m:t>
+                    </m:r>
+                  </m:oMath>
+                </a14:m>
+                <a:r>
+                  <a:rPr kumimoji="1" lang="ja-JP" altLang="en-US" sz="2400" dirty="0"/>
+                  <a:t>での過渡解析とその</a:t>
+                </a:r>
+                <a:r>
+                  <a:rPr kumimoji="1" lang="en-US" altLang="ja-JP" sz="2400" dirty="0" err="1"/>
+                  <a:t>dft</a:t>
+                </a:r>
+                <a:r>
+                  <a:rPr kumimoji="1" lang="ja-JP" altLang="en-US" sz="2400" dirty="0"/>
+                  <a:t>。</a:t>
+                </a:r>
+                <a:endParaRPr kumimoji="1" lang="en-US" altLang="ja-JP" sz="2400" dirty="0"/>
+              </a:p>
+              <a:p>
+                <a:pPr algn="ctr"/>
+                <a:r>
+                  <a:rPr kumimoji="1" lang="ja-JP" altLang="en-US" sz="2400" dirty="0"/>
+                  <a:t>回路単体と同様歪が見える。</a:t>
+                </a:r>
+                <a:endParaRPr kumimoji="1" lang="en-US" altLang="ja-JP" sz="2400" dirty="0"/>
+              </a:p>
+            </p:txBody>
+          </p:sp>
+        </mc:Choice>
+        <mc:Fallback>
+          <p:sp>
+            <p:nvSpPr>
+              <p:cNvPr id="6" name="テキスト ボックス 5">
+                <a:extLst>
+                  <a:ext uri="{FF2B5EF4-FFF2-40B4-BE49-F238E27FC236}">
+                    <a16:creationId xmlns:a16="http://schemas.microsoft.com/office/drawing/2014/main" id="{FC3ACE26-D6D6-56F4-685A-858AA58F0EBD}"/>
+                  </a:ext>
+                </a:extLst>
+              </p:cNvPr>
+              <p:cNvSpPr txBox="1">
+                <a:spLocks noRot="1" noChangeAspect="1" noMove="1" noResize="1" noEditPoints="1" noAdjustHandles="1" noChangeArrowheads="1" noChangeShapeType="1" noTextEdit="1"/>
+              </p:cNvSpPr>
+              <p:nvPr/>
+            </p:nvSpPr>
+            <p:spPr>
+              <a:xfrm>
+                <a:off x="1092795" y="5481055"/>
+                <a:ext cx="10006410" cy="830997"/>
+              </a:xfrm>
+              <a:prstGeom prst="rect">
+                <a:avLst/>
+              </a:prstGeom>
+              <a:blipFill>
+                <a:blip r:embed="rId2"/>
+                <a:stretch>
+                  <a:fillRect t="-5882" b="-16176"/>
+                </a:stretch>
+              </a:blipFill>
+            </p:spPr>
+            <p:txBody>
+              <a:bodyPr/>
+              <a:lstStyle/>
+              <a:p>
+                <a:r>
+                  <a:rPr lang="ja-JP" altLang="en-US">
+                    <a:noFill/>
+                  </a:rPr>
+                  <a:t> </a:t>
+                </a:r>
+              </a:p>
+            </p:txBody>
+          </p:sp>
+        </mc:Fallback>
+      </mc:AlternateContent>
+      <p:pic>
+        <p:nvPicPr>
+          <p:cNvPr id="8" name="図 7" descr="グラフ&#10;&#10;自動的に生成された説明">
+            <a:extLst>
+              <a:ext uri="{FF2B5EF4-FFF2-40B4-BE49-F238E27FC236}">
+                <a16:creationId xmlns:a16="http://schemas.microsoft.com/office/drawing/2014/main" id="{3C313D39-9EFD-4AE1-D823-C82CCE2390A9}"/>
+              </a:ext>
+            </a:extLst>
+          </p:cNvPr>
+          <p:cNvPicPr>
+            <a:picLocks noChangeAspect="1"/>
+          </p:cNvPicPr>
+          <p:nvPr/>
+        </p:nvPicPr>
+        <p:blipFill>
+          <a:blip r:embed="rId3">
+            <a:extLst>
+              <a:ext uri="{28A0092B-C50C-407E-A947-70E740481C1C}">
+                <a14:useLocalDpi xmlns:a14="http://schemas.microsoft.com/office/drawing/2010/main" val="0"/>
+              </a:ext>
+            </a:extLst>
+          </a:blip>
+          <a:stretch>
+            <a:fillRect/>
+          </a:stretch>
+        </p:blipFill>
+        <p:spPr>
+          <a:xfrm>
+            <a:off x="0" y="1071005"/>
+            <a:ext cx="6192114" cy="4334480"/>
+          </a:xfrm>
+          <a:prstGeom prst="rect">
+            <a:avLst/>
+          </a:prstGeom>
+        </p:spPr>
+      </p:pic>
+      <p:pic>
+        <p:nvPicPr>
+          <p:cNvPr id="14" name="図 13" descr="グラフ, 折れ線グラフ&#10;&#10;自動的に生成された説明">
+            <a:extLst>
+              <a:ext uri="{FF2B5EF4-FFF2-40B4-BE49-F238E27FC236}">
+                <a16:creationId xmlns:a16="http://schemas.microsoft.com/office/drawing/2014/main" id="{003F731F-4A83-BDF8-6822-7413E64640F7}"/>
+              </a:ext>
+            </a:extLst>
+          </p:cNvPr>
+          <p:cNvPicPr>
+            <a:picLocks noChangeAspect="1"/>
+          </p:cNvPicPr>
+          <p:nvPr/>
+        </p:nvPicPr>
+        <p:blipFill>
+          <a:blip r:embed="rId4">
+            <a:extLst>
+              <a:ext uri="{28A0092B-C50C-407E-A947-70E740481C1C}">
+                <a14:useLocalDpi xmlns:a14="http://schemas.microsoft.com/office/drawing/2010/main" val="0"/>
+              </a:ext>
+            </a:extLst>
+          </a:blip>
+          <a:stretch>
+            <a:fillRect/>
+          </a:stretch>
+        </p:blipFill>
+        <p:spPr>
+          <a:xfrm>
+            <a:off x="5989066" y="1071005"/>
+            <a:ext cx="6192114" cy="4334480"/>
+          </a:xfrm>
+          <a:prstGeom prst="rect">
+            <a:avLst/>
+          </a:prstGeom>
+        </p:spPr>
+      </p:pic>
+    </p:spTree>
+    <p:extLst>
+      <p:ext uri="{BB962C8B-B14F-4D97-AF65-F5344CB8AC3E}">
+        <p14:creationId xmlns:p14="http://schemas.microsoft.com/office/powerpoint/2010/main" val="1476360836"/>
+      </p:ext>
+    </p:extLst>
+  </p:cSld>
+  <p:clrMapOvr>
+    <a:masterClrMapping/>
+  </p:clrMapOvr>
+</p:sld>
+</file>
+
+<file path=ppt/slides/slide13.xml><?xml version="1.0" encoding="utf-8"?>
+<p:sld xmlns:a="http://schemas.openxmlformats.org/drawingml/2006/main" xmlns:r="http://schemas.openxmlformats.org/officeDocument/2006/relationships" xmlns:p="http://schemas.openxmlformats.org/presentationml/2006/main">
+  <p:cSld>
+    <p:spTree>
+      <p:nvGrpSpPr>
+        <p:cNvPr id="1" name=""/>
+        <p:cNvGrpSpPr/>
+        <p:nvPr/>
+      </p:nvGrpSpPr>
+      <p:grpSpPr>
+        <a:xfrm>
+          <a:off x="0" y="0"/>
+          <a:ext cx="0" cy="0"/>
+          <a:chOff x="0" y="0"/>
+          <a:chExt cx="0" cy="0"/>
+        </a:xfrm>
+      </p:grpSpPr>
+      <p:sp>
+        <p:nvSpPr>
+          <p:cNvPr id="2" name="タイトル 1">
+            <a:extLst>
+              <a:ext uri="{FF2B5EF4-FFF2-40B4-BE49-F238E27FC236}">
+                <a16:creationId xmlns:a16="http://schemas.microsoft.com/office/drawing/2014/main" id="{46930E33-6707-B99D-8B20-BDF99419CF53}"/>
+              </a:ext>
+            </a:extLst>
+          </p:cNvPr>
+          <p:cNvSpPr>
+            <a:spLocks noGrp="1"/>
+          </p:cNvSpPr>
+          <p:nvPr>
+            <p:ph type="title"/>
+          </p:nvPr>
+        </p:nvSpPr>
+        <p:spPr/>
+        <p:txBody>
+          <a:bodyPr/>
+          <a:lstStyle/>
+          <a:p>
+            <a:r>
+              <a:rPr kumimoji="1" lang="ja-JP" altLang="en-US" dirty="0"/>
+              <a:t>まとめ</a:t>
+            </a:r>
+          </a:p>
+        </p:txBody>
+      </p:sp>
+      <p:sp>
+        <p:nvSpPr>
+          <p:cNvPr id="3" name="日付プレースホルダー 2">
+            <a:extLst>
+              <a:ext uri="{FF2B5EF4-FFF2-40B4-BE49-F238E27FC236}">
+                <a16:creationId xmlns:a16="http://schemas.microsoft.com/office/drawing/2014/main" id="{FB694122-028E-8011-2548-1CD7D7DF4150}"/>
+              </a:ext>
+            </a:extLst>
+          </p:cNvPr>
+          <p:cNvSpPr>
+            <a:spLocks noGrp="1"/>
+          </p:cNvSpPr>
+          <p:nvPr>
+            <p:ph type="dt" sz="half" idx="10"/>
+          </p:nvPr>
+        </p:nvSpPr>
+        <p:spPr/>
+        <p:txBody>
+          <a:bodyPr/>
+          <a:lstStyle/>
+          <a:p>
+            <a:r>
+              <a:rPr kumimoji="1" lang="en-US" altLang="ja-JP"/>
+              <a:t>2023/12/11</a:t>
+            </a:r>
+            <a:endParaRPr kumimoji="1" lang="ja-JP" altLang="en-US"/>
+          </a:p>
+        </p:txBody>
+      </p:sp>
+      <p:sp>
+        <p:nvSpPr>
+          <p:cNvPr id="4" name="スライド番号プレースホルダー 3">
+            <a:extLst>
+              <a:ext uri="{FF2B5EF4-FFF2-40B4-BE49-F238E27FC236}">
+                <a16:creationId xmlns:a16="http://schemas.microsoft.com/office/drawing/2014/main" id="{F3E7DED6-D882-C2B1-E747-D10BE6BD4AE9}"/>
+              </a:ext>
+            </a:extLst>
+          </p:cNvPr>
+          <p:cNvSpPr>
+            <a:spLocks noGrp="1"/>
+          </p:cNvSpPr>
+          <p:nvPr>
+            <p:ph type="sldNum" sz="quarter" idx="12"/>
+          </p:nvPr>
+        </p:nvSpPr>
+        <p:spPr/>
+        <p:txBody>
+          <a:bodyPr/>
+          <a:lstStyle/>
+          <a:p>
+            <a:fld id="{6294761A-CFE9-4878-87A7-90ECABD59CE5}" type="slidenum">
+              <a:rPr kumimoji="1" lang="ja-JP" altLang="en-US" smtClean="0"/>
+              <a:t>13</a:t>
+            </a:fld>
+            <a:endParaRPr kumimoji="1" lang="ja-JP" altLang="en-US"/>
+          </a:p>
+        </p:txBody>
+      </p:sp>
+      <p:sp>
+        <p:nvSpPr>
+          <p:cNvPr id="5" name="フッター プレースホルダー 4">
+            <a:extLst>
+              <a:ext uri="{FF2B5EF4-FFF2-40B4-BE49-F238E27FC236}">
+                <a16:creationId xmlns:a16="http://schemas.microsoft.com/office/drawing/2014/main" id="{8B5A49C6-9D29-85E8-BBA7-F8A4245EC4CE}"/>
+              </a:ext>
+            </a:extLst>
+          </p:cNvPr>
+          <p:cNvSpPr>
+            <a:spLocks noGrp="1"/>
+          </p:cNvSpPr>
+          <p:nvPr>
+            <p:ph type="ftr" sz="quarter" idx="3"/>
+          </p:nvPr>
+        </p:nvSpPr>
+        <p:spPr/>
+        <p:txBody>
+          <a:bodyPr/>
+          <a:lstStyle/>
+          <a:p>
+            <a:r>
+              <a:rPr lang="en-US" altLang="ja-JP"/>
+              <a:t>Wave Signal Processing Circuit Laboratory,  Meiji University</a:t>
+            </a:r>
+            <a:endParaRPr lang="en-US" altLang="ja-JP" dirty="0"/>
+          </a:p>
+        </p:txBody>
+      </p:sp>
+      <p:sp>
+        <p:nvSpPr>
+          <p:cNvPr id="6" name="テキスト ボックス 5">
+            <a:extLst>
+              <a:ext uri="{FF2B5EF4-FFF2-40B4-BE49-F238E27FC236}">
+                <a16:creationId xmlns:a16="http://schemas.microsoft.com/office/drawing/2014/main" id="{D81FD9C9-EBFB-2ABD-D5DB-B728CCDBCF93}"/>
+              </a:ext>
+            </a:extLst>
+          </p:cNvPr>
+          <p:cNvSpPr txBox="1"/>
+          <p:nvPr/>
+        </p:nvSpPr>
+        <p:spPr>
+          <a:xfrm>
+            <a:off x="1551953" y="2814619"/>
+            <a:ext cx="9334500" cy="1938992"/>
+          </a:xfrm>
+          <a:prstGeom prst="rect">
+            <a:avLst/>
+          </a:prstGeom>
+          <a:noFill/>
+        </p:spPr>
+        <p:txBody>
+          <a:bodyPr wrap="square" rtlCol="0">
+            <a:spAutoFit/>
+          </a:bodyPr>
+          <a:lstStyle/>
+          <a:p>
+            <a:pPr marL="342900" indent="-342900">
+              <a:buFont typeface="Arial" panose="020B0604020202020204" pitchFamily="34" charset="0"/>
+              <a:buChar char="•"/>
+            </a:pPr>
+            <a:r>
+              <a:rPr kumimoji="1" lang="ja-JP" altLang="en-US" sz="2400" dirty="0"/>
+              <a:t>シミュレーション上では出力振幅拡大を確認できた。</a:t>
+            </a:r>
+            <a:endParaRPr kumimoji="1" lang="en-US" altLang="ja-JP" sz="2400" dirty="0"/>
+          </a:p>
+          <a:p>
+            <a:pPr marL="342900" indent="-342900">
+              <a:buFont typeface="Arial" panose="020B0604020202020204" pitchFamily="34" charset="0"/>
+              <a:buChar char="•"/>
+            </a:pPr>
+            <a:endParaRPr lang="en-US" altLang="ja-JP" sz="2400" dirty="0"/>
+          </a:p>
+          <a:p>
+            <a:pPr marL="342900" indent="-342900">
+              <a:buFont typeface="Arial" panose="020B0604020202020204" pitchFamily="34" charset="0"/>
+              <a:buChar char="•"/>
+            </a:pPr>
+            <a:r>
+              <a:rPr kumimoji="1" lang="ja-JP" altLang="en-US" sz="2400" dirty="0"/>
+              <a:t>周波数特性は従来型に比べ少し落ちてしまう。</a:t>
+            </a:r>
+            <a:endParaRPr kumimoji="1" lang="en-US" altLang="ja-JP" sz="2400" dirty="0"/>
+          </a:p>
+          <a:p>
+            <a:pPr marL="342900" indent="-342900">
+              <a:buFont typeface="Arial" panose="020B0604020202020204" pitchFamily="34" charset="0"/>
+              <a:buChar char="•"/>
+            </a:pPr>
+            <a:endParaRPr lang="en-US" altLang="ja-JP" sz="2400" dirty="0"/>
+          </a:p>
+          <a:p>
+            <a:pPr marL="342900" indent="-342900">
+              <a:buFont typeface="Arial" panose="020B0604020202020204" pitchFamily="34" charset="0"/>
+              <a:buChar char="•"/>
+            </a:pPr>
+            <a:r>
+              <a:rPr kumimoji="1" lang="ja-JP" altLang="en-US" sz="2400" dirty="0"/>
+              <a:t>同軸ケーブルなどの影響を受けても動作すると考えられる。</a:t>
+            </a:r>
+          </a:p>
+        </p:txBody>
+      </p:sp>
+    </p:spTree>
+    <p:extLst>
+      <p:ext uri="{BB962C8B-B14F-4D97-AF65-F5344CB8AC3E}">
+        <p14:creationId xmlns:p14="http://schemas.microsoft.com/office/powerpoint/2010/main" val="1178458112"/>
       </p:ext>
     </p:extLst>
   </p:cSld>
@@ -4973,7 +6469,7 @@
         </p:nvSpPr>
         <p:spPr>
           <a:xfrm>
-            <a:off x="1785258" y="2075955"/>
+            <a:off x="1650274" y="2075955"/>
             <a:ext cx="8891451" cy="3416320"/>
           </a:xfrm>
           <a:prstGeom prst="rect">
@@ -5034,20 +6530,16 @@
             <a:endParaRPr lang="en-US" altLang="ja-JP" sz="2400" dirty="0"/>
           </a:p>
           <a:p>
+            <a:endParaRPr lang="en-US" altLang="ja-JP" sz="2400" dirty="0"/>
+          </a:p>
+          <a:p>
             <a:pPr marL="285750" indent="-285750">
               <a:buFont typeface="Arial" panose="020B0604020202020204" pitchFamily="34" charset="0"/>
               <a:buChar char="•"/>
             </a:pPr>
-            <a:endParaRPr lang="en-US" altLang="ja-JP" sz="2400" dirty="0"/>
-          </a:p>
-          <a:p>
-            <a:pPr marL="285750" indent="-285750">
-              <a:buFont typeface="Arial" panose="020B0604020202020204" pitchFamily="34" charset="0"/>
-              <a:buChar char="•"/>
-            </a:pPr>
             <a:r>
               <a:rPr lang="ja-JP" altLang="en-US" sz="2400" dirty="0"/>
-              <a:t>測定系</a:t>
+              <a:t>チップレベルでのシミュレーション</a:t>
             </a:r>
             <a:endParaRPr lang="en-US" altLang="ja-JP" sz="2400" dirty="0"/>
           </a:p>
@@ -5686,6 +7178,151 @@
           <a:chExt cx="0" cy="0"/>
         </a:xfrm>
       </p:grpSpPr>
+      <p:pic>
+        <p:nvPicPr>
+          <p:cNvPr id="8" name="図 7" descr="グラフ&#10;&#10;自動的に生成された説明">
+            <a:extLst>
+              <a:ext uri="{FF2B5EF4-FFF2-40B4-BE49-F238E27FC236}">
+                <a16:creationId xmlns:a16="http://schemas.microsoft.com/office/drawing/2014/main" id="{251C0ADB-D9F4-A3E7-7E24-8E0C6D0C7CA1}"/>
+              </a:ext>
+            </a:extLst>
+          </p:cNvPr>
+          <p:cNvPicPr>
+            <a:picLocks noChangeAspect="1"/>
+          </p:cNvPicPr>
+          <p:nvPr/>
+        </p:nvPicPr>
+        <p:blipFill>
+          <a:blip r:embed="rId2">
+            <a:extLst>
+              <a:ext uri="{28A0092B-C50C-407E-A947-70E740481C1C}">
+                <a14:useLocalDpi xmlns:a14="http://schemas.microsoft.com/office/drawing/2010/main" val="0"/>
+              </a:ext>
+            </a:extLst>
+          </a:blip>
+          <a:stretch>
+            <a:fillRect/>
+          </a:stretch>
+        </p:blipFill>
+        <p:spPr>
+          <a:xfrm>
+            <a:off x="388684" y="1100515"/>
+            <a:ext cx="5395497" cy="3776848"/>
+          </a:xfrm>
+          <a:prstGeom prst="rect">
+            <a:avLst/>
+          </a:prstGeom>
+        </p:spPr>
+      </p:pic>
+      <p:pic>
+        <p:nvPicPr>
+          <p:cNvPr id="10" name="図 9" descr="グラフ&#10;&#10;自動的に生成された説明">
+            <a:extLst>
+              <a:ext uri="{FF2B5EF4-FFF2-40B4-BE49-F238E27FC236}">
+                <a16:creationId xmlns:a16="http://schemas.microsoft.com/office/drawing/2014/main" id="{7A80248E-3EAE-8C28-26C1-1B97E9861488}"/>
+              </a:ext>
+            </a:extLst>
+          </p:cNvPr>
+          <p:cNvPicPr>
+            <a:picLocks noChangeAspect="1"/>
+          </p:cNvPicPr>
+          <p:nvPr/>
+        </p:nvPicPr>
+        <p:blipFill>
+          <a:blip r:embed="rId3">
+            <a:extLst>
+              <a:ext uri="{28A0092B-C50C-407E-A947-70E740481C1C}">
+                <a14:useLocalDpi xmlns:a14="http://schemas.microsoft.com/office/drawing/2010/main" val="0"/>
+              </a:ext>
+            </a:extLst>
+          </a:blip>
+          <a:stretch>
+            <a:fillRect/>
+          </a:stretch>
+        </p:blipFill>
+        <p:spPr>
+          <a:xfrm>
+            <a:off x="6170030" y="1100515"/>
+            <a:ext cx="5395497" cy="3776848"/>
+          </a:xfrm>
+          <a:prstGeom prst="rect">
+            <a:avLst/>
+          </a:prstGeom>
+        </p:spPr>
+      </p:pic>
+      <p:sp>
+        <p:nvSpPr>
+          <p:cNvPr id="12" name="テキスト ボックス 11">
+            <a:extLst>
+              <a:ext uri="{FF2B5EF4-FFF2-40B4-BE49-F238E27FC236}">
+                <a16:creationId xmlns:a16="http://schemas.microsoft.com/office/drawing/2014/main" id="{4B0DAA51-3D4B-88B3-5F59-45A1E31F87C4}"/>
+              </a:ext>
+            </a:extLst>
+          </p:cNvPr>
+          <p:cNvSpPr txBox="1"/>
+          <p:nvPr/>
+        </p:nvSpPr>
+        <p:spPr>
+          <a:xfrm>
+            <a:off x="1019507" y="4889522"/>
+            <a:ext cx="4133850" cy="461665"/>
+          </a:xfrm>
+          <a:prstGeom prst="rect">
+            <a:avLst/>
+          </a:prstGeom>
+          <a:noFill/>
+        </p:spPr>
+        <p:txBody>
+          <a:bodyPr wrap="square" rtlCol="0">
+            <a:spAutoFit/>
+          </a:bodyPr>
+          <a:lstStyle/>
+          <a:p>
+            <a:pPr algn="ctr"/>
+            <a:r>
+              <a:rPr lang="ja-JP" altLang="en-US" sz="2400" dirty="0"/>
+              <a:t>提案回路</a:t>
+            </a:r>
+            <a:endParaRPr kumimoji="1" lang="ja-JP" altLang="en-US" sz="2400" dirty="0"/>
+          </a:p>
+        </p:txBody>
+      </p:sp>
+      <p:sp>
+        <p:nvSpPr>
+          <p:cNvPr id="13" name="テキスト ボックス 12">
+            <a:extLst>
+              <a:ext uri="{FF2B5EF4-FFF2-40B4-BE49-F238E27FC236}">
+                <a16:creationId xmlns:a16="http://schemas.microsoft.com/office/drawing/2014/main" id="{75D7989D-B105-0B45-3BEE-6B5D2AA2035D}"/>
+              </a:ext>
+            </a:extLst>
+          </p:cNvPr>
+          <p:cNvSpPr txBox="1"/>
+          <p:nvPr/>
+        </p:nvSpPr>
+        <p:spPr>
+          <a:xfrm>
+            <a:off x="6800853" y="4889523"/>
+            <a:ext cx="4133850" cy="461665"/>
+          </a:xfrm>
+          <a:prstGeom prst="rect">
+            <a:avLst/>
+          </a:prstGeom>
+          <a:noFill/>
+        </p:spPr>
+        <p:txBody>
+          <a:bodyPr wrap="square" rtlCol="0">
+            <a:spAutoFit/>
+          </a:bodyPr>
+          <a:lstStyle/>
+          <a:p>
+            <a:pPr algn="ctr"/>
+            <a:r>
+              <a:rPr kumimoji="1" lang="ja-JP" altLang="en-US" sz="2400" dirty="0"/>
+              <a:t>関根研　安藤さんの乗算器</a:t>
+            </a:r>
+          </a:p>
+        </p:txBody>
+      </p:sp>
       <p:sp>
         <p:nvSpPr>
           <p:cNvPr id="2" name="タイトル 1">
@@ -5709,7 +7346,15 @@
           <a:p>
             <a:r>
               <a:rPr kumimoji="1" lang="ja-JP" altLang="en-US" dirty="0"/>
-              <a:t>シミュレーション</a:t>
+              <a:t>シミュレーション・</a:t>
+            </a:r>
+            <a:r>
+              <a:rPr kumimoji="1" lang="en-US" altLang="ja-JP" dirty="0"/>
+              <a:t>DC</a:t>
+            </a:r>
+            <a:r>
+              <a:rPr kumimoji="1" lang="ja-JP" altLang="en-US" dirty="0"/>
+              <a:t>解析</a:t>
             </a:r>
           </a:p>
         </p:txBody>
@@ -5801,10 +7446,1768 @@
           </a:p>
         </p:txBody>
       </p:sp>
+      <mc:AlternateContent xmlns:mc="http://schemas.openxmlformats.org/markup-compatibility/2006">
+        <mc:Choice xmlns:a14="http://schemas.microsoft.com/office/drawing/2010/main" Requires="a14">
+          <p:sp>
+            <p:nvSpPr>
+              <p:cNvPr id="14" name="テキスト ボックス 13">
+                <a:extLst>
+                  <a:ext uri="{FF2B5EF4-FFF2-40B4-BE49-F238E27FC236}">
+                    <a16:creationId xmlns:a16="http://schemas.microsoft.com/office/drawing/2014/main" id="{31D2439A-5746-ED38-AA54-82A2C53E0C34}"/>
+                  </a:ext>
+                </a:extLst>
+              </p:cNvPr>
+              <p:cNvSpPr txBox="1"/>
+              <p:nvPr/>
+            </p:nvSpPr>
+            <p:spPr>
+              <a:xfrm>
+                <a:off x="1581150" y="5350190"/>
+                <a:ext cx="9029700" cy="1200329"/>
+              </a:xfrm>
+              <a:prstGeom prst="rect">
+                <a:avLst/>
+              </a:prstGeom>
+              <a:noFill/>
+            </p:spPr>
+            <p:txBody>
+              <a:bodyPr wrap="square" rtlCol="0">
+                <a:spAutoFit/>
+              </a:bodyPr>
+              <a:lstStyle/>
+              <a:p>
+                <a:pPr algn="ctr"/>
+                <a14:m>
+                  <m:oMath xmlns:m="http://schemas.openxmlformats.org/officeDocument/2006/math">
+                    <m:r>
+                      <a:rPr kumimoji="1" lang="en-US" altLang="ja-JP" sz="2400" b="0" i="1" smtClean="0">
+                        <a:latin typeface="Cambria Math" panose="02040503050406030204" pitchFamily="18" charset="0"/>
+                      </a:rPr>
+                      <m:t>±</m:t>
+                    </m:r>
+                  </m:oMath>
+                </a14:m>
+                <a:r>
+                  <a:rPr kumimoji="1" lang="en-US" altLang="ja-JP" sz="2400" dirty="0"/>
+                  <a:t>0.1 V</a:t>
+                </a:r>
+                <a:r>
+                  <a:rPr kumimoji="1" lang="ja-JP" altLang="en-US" sz="2400" dirty="0"/>
+                  <a:t>の範囲で線形に変化。</a:t>
+                </a:r>
+                <a:endParaRPr kumimoji="1" lang="en-US" altLang="ja-JP" sz="2400" dirty="0"/>
+              </a:p>
+              <a:p>
+                <a:pPr algn="ctr"/>
+                <a:r>
+                  <a:rPr kumimoji="1" lang="ja-JP" altLang="en-US" sz="2400" dirty="0"/>
+                  <a:t>安藤さんの乗算器と比較して</a:t>
+                </a:r>
+                <a14:m>
+                  <m:oMath xmlns:m="http://schemas.openxmlformats.org/officeDocument/2006/math">
+                    <m:sSub>
+                      <m:sSubPr>
+                        <m:ctrlPr>
+                          <a:rPr kumimoji="1" lang="en-US" altLang="ja-JP" sz="2400" b="0" i="1" smtClean="0">
+                            <a:latin typeface="Cambria Math" panose="02040503050406030204" pitchFamily="18" charset="0"/>
+                          </a:rPr>
+                        </m:ctrlPr>
+                      </m:sSubPr>
+                      <m:e>
+                        <m:r>
+                          <a:rPr kumimoji="1" lang="en-US" altLang="ja-JP" sz="2400" b="0" i="1" smtClean="0">
+                            <a:latin typeface="Cambria Math" panose="02040503050406030204" pitchFamily="18" charset="0"/>
+                          </a:rPr>
+                          <m:t>𝑣</m:t>
+                        </m:r>
+                      </m:e>
+                      <m:sub>
+                        <m:r>
+                          <a:rPr kumimoji="1" lang="en-US" altLang="ja-JP" sz="2400" b="0" i="1" smtClean="0">
+                            <a:latin typeface="Cambria Math" panose="02040503050406030204" pitchFamily="18" charset="0"/>
+                          </a:rPr>
+                          <m:t>𝑖𝑛</m:t>
+                        </m:r>
+                      </m:sub>
+                    </m:sSub>
+                    <m:r>
+                      <a:rPr kumimoji="1" lang="en-US" altLang="ja-JP" sz="2400" b="0" i="1" smtClean="0">
+                        <a:latin typeface="Cambria Math" panose="02040503050406030204" pitchFamily="18" charset="0"/>
+                      </a:rPr>
+                      <m:t>=0.1</m:t>
+                    </m:r>
+                  </m:oMath>
+                </a14:m>
+                <a:r>
+                  <a:rPr kumimoji="1" lang="ja-JP" altLang="en-US" sz="2400" dirty="0"/>
+                  <a:t> </a:t>
+                </a:r>
+                <a:r>
+                  <a:rPr kumimoji="1" lang="en-US" altLang="ja-JP" sz="2400" dirty="0"/>
+                  <a:t>V,</a:t>
+                </a:r>
+                <a14:m>
+                  <m:oMath xmlns:m="http://schemas.openxmlformats.org/officeDocument/2006/math">
+                    <m:sSub>
+                      <m:sSubPr>
+                        <m:ctrlPr>
+                          <a:rPr kumimoji="1" lang="en-US" altLang="ja-JP" sz="2400" b="0" i="1" smtClean="0">
+                            <a:latin typeface="Cambria Math" panose="02040503050406030204" pitchFamily="18" charset="0"/>
+                          </a:rPr>
+                        </m:ctrlPr>
+                      </m:sSubPr>
+                      <m:e>
+                        <m:r>
+                          <a:rPr kumimoji="1" lang="en-US" altLang="ja-JP" sz="2400" b="0" i="1" smtClean="0">
+                            <a:latin typeface="Cambria Math" panose="02040503050406030204" pitchFamily="18" charset="0"/>
+                          </a:rPr>
+                          <m:t>𝑉</m:t>
+                        </m:r>
+                      </m:e>
+                      <m:sub>
+                        <m:r>
+                          <a:rPr kumimoji="1" lang="en-US" altLang="ja-JP" sz="2400" b="0" i="1" smtClean="0">
+                            <a:latin typeface="Cambria Math" panose="02040503050406030204" pitchFamily="18" charset="0"/>
+                          </a:rPr>
+                          <m:t>𝐶𝑇𝑅𝐿</m:t>
+                        </m:r>
+                      </m:sub>
+                    </m:sSub>
+                    <m:r>
+                      <a:rPr kumimoji="1" lang="en-US" altLang="ja-JP" sz="2400" b="0" i="1" smtClean="0">
+                        <a:latin typeface="Cambria Math" panose="02040503050406030204" pitchFamily="18" charset="0"/>
+                      </a:rPr>
+                      <m:t>=0.2</m:t>
+                    </m:r>
+                  </m:oMath>
+                </a14:m>
+                <a:r>
+                  <a:rPr kumimoji="1" lang="ja-JP" altLang="en-US" sz="2400" dirty="0"/>
+                  <a:t> </a:t>
+                </a:r>
+                <a:r>
+                  <a:rPr kumimoji="1" lang="en-US" altLang="ja-JP" sz="2400" dirty="0"/>
+                  <a:t>V</a:t>
+                </a:r>
+                <a:r>
+                  <a:rPr lang="ja-JP" altLang="en-US" sz="2400" dirty="0"/>
+                  <a:t>の点で</a:t>
+                </a:r>
+                <a:endParaRPr lang="en-US" altLang="ja-JP" sz="2400" dirty="0"/>
+              </a:p>
+              <a:p>
+                <a:pPr algn="ctr"/>
+                <a:r>
+                  <a:rPr kumimoji="1" lang="en-US" altLang="ja-JP" sz="2400" dirty="0"/>
+                  <a:t>0.45</a:t>
+                </a:r>
+                <a:r>
+                  <a:rPr lang="ja-JP" altLang="en-US" sz="2400" dirty="0"/>
+                  <a:t> </a:t>
+                </a:r>
+                <a:r>
+                  <a:rPr lang="en-US" altLang="ja-JP" sz="2400" dirty="0"/>
+                  <a:t>V</a:t>
+                </a:r>
+                <a:r>
+                  <a:rPr lang="ja-JP" altLang="en-US" sz="2400" dirty="0"/>
+                  <a:t>⇒</a:t>
+                </a:r>
+                <a:r>
+                  <a:rPr lang="en-US" altLang="ja-JP" sz="2400" dirty="0"/>
+                  <a:t>0.58 V</a:t>
+                </a:r>
+                <a:r>
+                  <a:rPr lang="ja-JP" altLang="en-US" sz="2400" dirty="0"/>
+                  <a:t>に</a:t>
+                </a:r>
+                <a:r>
+                  <a:rPr lang="en-US" altLang="ja-JP" sz="2400" dirty="0"/>
+                  <a:t>3</a:t>
+                </a:r>
+                <a:r>
+                  <a:rPr lang="ja-JP" altLang="en-US" sz="2400" dirty="0"/>
+                  <a:t>割程度増加。</a:t>
+                </a:r>
+                <a:endParaRPr kumimoji="1" lang="en-US" altLang="ja-JP" sz="2400" dirty="0"/>
+              </a:p>
+            </p:txBody>
+          </p:sp>
+        </mc:Choice>
+        <mc:Fallback>
+          <p:sp>
+            <p:nvSpPr>
+              <p:cNvPr id="14" name="テキスト ボックス 13">
+                <a:extLst>
+                  <a:ext uri="{FF2B5EF4-FFF2-40B4-BE49-F238E27FC236}">
+                    <a16:creationId xmlns:a16="http://schemas.microsoft.com/office/drawing/2014/main" id="{31D2439A-5746-ED38-AA54-82A2C53E0C34}"/>
+                  </a:ext>
+                </a:extLst>
+              </p:cNvPr>
+              <p:cNvSpPr txBox="1">
+                <a:spLocks noRot="1" noChangeAspect="1" noMove="1" noResize="1" noEditPoints="1" noAdjustHandles="1" noChangeArrowheads="1" noChangeShapeType="1" noTextEdit="1"/>
+              </p:cNvSpPr>
+              <p:nvPr/>
+            </p:nvSpPr>
+            <p:spPr>
+              <a:xfrm>
+                <a:off x="1581150" y="5350190"/>
+                <a:ext cx="9029700" cy="1200329"/>
+              </a:xfrm>
+              <a:prstGeom prst="rect">
+                <a:avLst/>
+              </a:prstGeom>
+              <a:blipFill>
+                <a:blip r:embed="rId4"/>
+                <a:stretch>
+                  <a:fillRect t="-4061" b="-10660"/>
+                </a:stretch>
+              </a:blipFill>
+            </p:spPr>
+            <p:txBody>
+              <a:bodyPr/>
+              <a:lstStyle/>
+              <a:p>
+                <a:r>
+                  <a:rPr lang="ja-JP" altLang="en-US">
+                    <a:noFill/>
+                  </a:rPr>
+                  <a:t> </a:t>
+                </a:r>
+              </a:p>
+            </p:txBody>
+          </p:sp>
+        </mc:Fallback>
+      </mc:AlternateContent>
     </p:spTree>
     <p:extLst>
       <p:ext uri="{BB962C8B-B14F-4D97-AF65-F5344CB8AC3E}">
         <p14:creationId xmlns:p14="http://schemas.microsoft.com/office/powerpoint/2010/main" val="824292477"/>
+      </p:ext>
+    </p:extLst>
+  </p:cSld>
+  <p:clrMapOvr>
+    <a:masterClrMapping/>
+  </p:clrMapOvr>
+</p:sld>
+</file>
+
+<file path=ppt/slides/slide6.xml><?xml version="1.0" encoding="utf-8"?>
+<p:sld xmlns:a="http://schemas.openxmlformats.org/drawingml/2006/main" xmlns:r="http://schemas.openxmlformats.org/officeDocument/2006/relationships" xmlns:p="http://schemas.openxmlformats.org/presentationml/2006/main">
+  <p:cSld>
+    <p:spTree>
+      <p:nvGrpSpPr>
+        <p:cNvPr id="1" name=""/>
+        <p:cNvGrpSpPr/>
+        <p:nvPr/>
+      </p:nvGrpSpPr>
+      <p:grpSpPr>
+        <a:xfrm>
+          <a:off x="0" y="0"/>
+          <a:ext cx="0" cy="0"/>
+          <a:chOff x="0" y="0"/>
+          <a:chExt cx="0" cy="0"/>
+        </a:xfrm>
+      </p:grpSpPr>
+      <p:sp>
+        <p:nvSpPr>
+          <p:cNvPr id="2" name="タイトル 1">
+            <a:extLst>
+              <a:ext uri="{FF2B5EF4-FFF2-40B4-BE49-F238E27FC236}">
+                <a16:creationId xmlns:a16="http://schemas.microsoft.com/office/drawing/2014/main" id="{764DC16F-BE01-5B79-A7A9-F569BC3F4609}"/>
+              </a:ext>
+            </a:extLst>
+          </p:cNvPr>
+          <p:cNvSpPr>
+            <a:spLocks noGrp="1"/>
+          </p:cNvSpPr>
+          <p:nvPr>
+            <p:ph type="title"/>
+          </p:nvPr>
+        </p:nvSpPr>
+        <p:spPr/>
+        <p:txBody>
+          <a:bodyPr/>
+          <a:lstStyle/>
+          <a:p>
+            <a:r>
+              <a:rPr lang="ja-JP" altLang="en-US" dirty="0"/>
+              <a:t>シミュレーション・</a:t>
+            </a:r>
+            <a:r>
+              <a:rPr lang="en-US" altLang="ja-JP" dirty="0"/>
+              <a:t>AC</a:t>
+            </a:r>
+            <a:r>
+              <a:rPr lang="ja-JP" altLang="en-US" dirty="0"/>
+              <a:t>解析</a:t>
+            </a:r>
+            <a:endParaRPr kumimoji="1" lang="ja-JP" altLang="en-US" dirty="0"/>
+          </a:p>
+        </p:txBody>
+      </p:sp>
+      <p:sp>
+        <p:nvSpPr>
+          <p:cNvPr id="3" name="日付プレースホルダー 2">
+            <a:extLst>
+              <a:ext uri="{FF2B5EF4-FFF2-40B4-BE49-F238E27FC236}">
+                <a16:creationId xmlns:a16="http://schemas.microsoft.com/office/drawing/2014/main" id="{0FD37CDF-03BE-1C6F-949A-D15480224F00}"/>
+              </a:ext>
+            </a:extLst>
+          </p:cNvPr>
+          <p:cNvSpPr>
+            <a:spLocks noGrp="1"/>
+          </p:cNvSpPr>
+          <p:nvPr>
+            <p:ph type="dt" sz="half" idx="10"/>
+          </p:nvPr>
+        </p:nvSpPr>
+        <p:spPr/>
+        <p:txBody>
+          <a:bodyPr/>
+          <a:lstStyle/>
+          <a:p>
+            <a:r>
+              <a:rPr kumimoji="1" lang="en-US" altLang="ja-JP"/>
+              <a:t>2023/12/11</a:t>
+            </a:r>
+            <a:endParaRPr kumimoji="1" lang="ja-JP" altLang="en-US"/>
+          </a:p>
+        </p:txBody>
+      </p:sp>
+      <p:sp>
+        <p:nvSpPr>
+          <p:cNvPr id="4" name="スライド番号プレースホルダー 3">
+            <a:extLst>
+              <a:ext uri="{FF2B5EF4-FFF2-40B4-BE49-F238E27FC236}">
+                <a16:creationId xmlns:a16="http://schemas.microsoft.com/office/drawing/2014/main" id="{28DF2025-030A-FC02-794B-C56BDF8220A4}"/>
+              </a:ext>
+            </a:extLst>
+          </p:cNvPr>
+          <p:cNvSpPr>
+            <a:spLocks noGrp="1"/>
+          </p:cNvSpPr>
+          <p:nvPr>
+            <p:ph type="sldNum" sz="quarter" idx="12"/>
+          </p:nvPr>
+        </p:nvSpPr>
+        <p:spPr/>
+        <p:txBody>
+          <a:bodyPr/>
+          <a:lstStyle/>
+          <a:p>
+            <a:fld id="{6294761A-CFE9-4878-87A7-90ECABD59CE5}" type="slidenum">
+              <a:rPr kumimoji="1" lang="ja-JP" altLang="en-US" smtClean="0"/>
+              <a:t>6</a:t>
+            </a:fld>
+            <a:endParaRPr kumimoji="1" lang="ja-JP" altLang="en-US"/>
+          </a:p>
+        </p:txBody>
+      </p:sp>
+      <p:sp>
+        <p:nvSpPr>
+          <p:cNvPr id="5" name="フッター プレースホルダー 4">
+            <a:extLst>
+              <a:ext uri="{FF2B5EF4-FFF2-40B4-BE49-F238E27FC236}">
+                <a16:creationId xmlns:a16="http://schemas.microsoft.com/office/drawing/2014/main" id="{565DFCA2-94E0-2678-C5A6-DA0115ECCE8F}"/>
+              </a:ext>
+            </a:extLst>
+          </p:cNvPr>
+          <p:cNvSpPr>
+            <a:spLocks noGrp="1"/>
+          </p:cNvSpPr>
+          <p:nvPr>
+            <p:ph type="ftr" sz="quarter" idx="3"/>
+          </p:nvPr>
+        </p:nvSpPr>
+        <p:spPr/>
+        <p:txBody>
+          <a:bodyPr/>
+          <a:lstStyle/>
+          <a:p>
+            <a:r>
+              <a:rPr lang="en-US" altLang="ja-JP"/>
+              <a:t>Wave Signal Processing Circuit Laboratory,  Meiji University</a:t>
+            </a:r>
+            <a:endParaRPr lang="en-US" altLang="ja-JP" dirty="0"/>
+          </a:p>
+        </p:txBody>
+      </p:sp>
+      <p:pic>
+        <p:nvPicPr>
+          <p:cNvPr id="7" name="図 6" descr="文字の書かれた紙&#10;&#10;低い精度で自動的に生成された説明">
+            <a:extLst>
+              <a:ext uri="{FF2B5EF4-FFF2-40B4-BE49-F238E27FC236}">
+                <a16:creationId xmlns:a16="http://schemas.microsoft.com/office/drawing/2014/main" id="{751A96F1-F6D1-15E6-D1A0-AFDA5501639D}"/>
+              </a:ext>
+            </a:extLst>
+          </p:cNvPr>
+          <p:cNvPicPr>
+            <a:picLocks noChangeAspect="1"/>
+          </p:cNvPicPr>
+          <p:nvPr/>
+        </p:nvPicPr>
+        <p:blipFill>
+          <a:blip r:embed="rId2">
+            <a:extLst>
+              <a:ext uri="{28A0092B-C50C-407E-A947-70E740481C1C}">
+                <a14:useLocalDpi xmlns:a14="http://schemas.microsoft.com/office/drawing/2010/main" val="0"/>
+              </a:ext>
+            </a:extLst>
+          </a:blip>
+          <a:stretch>
+            <a:fillRect/>
+          </a:stretch>
+        </p:blipFill>
+        <p:spPr>
+          <a:xfrm>
+            <a:off x="13877" y="1361122"/>
+            <a:ext cx="7145110" cy="5001578"/>
+          </a:xfrm>
+          <a:prstGeom prst="rect">
+            <a:avLst/>
+          </a:prstGeom>
+        </p:spPr>
+      </p:pic>
+      <mc:AlternateContent xmlns:mc="http://schemas.openxmlformats.org/markup-compatibility/2006">
+        <mc:Choice xmlns:a14="http://schemas.microsoft.com/office/drawing/2010/main" Requires="a14">
+          <p:sp>
+            <p:nvSpPr>
+              <p:cNvPr id="8" name="テキスト ボックス 7">
+                <a:extLst>
+                  <a:ext uri="{FF2B5EF4-FFF2-40B4-BE49-F238E27FC236}">
+                    <a16:creationId xmlns:a16="http://schemas.microsoft.com/office/drawing/2014/main" id="{35EE794D-9F83-4389-2DBC-BC615AB51F4B}"/>
+                  </a:ext>
+                </a:extLst>
+              </p:cNvPr>
+              <p:cNvSpPr txBox="1"/>
+              <p:nvPr/>
+            </p:nvSpPr>
+            <p:spPr>
+              <a:xfrm>
+                <a:off x="7240297" y="2523083"/>
+                <a:ext cx="4685066" cy="2677656"/>
+              </a:xfrm>
+              <a:prstGeom prst="rect">
+                <a:avLst/>
+              </a:prstGeom>
+              <a:noFill/>
+            </p:spPr>
+            <p:txBody>
+              <a:bodyPr wrap="square" rtlCol="0">
+                <a:spAutoFit/>
+              </a:bodyPr>
+              <a:lstStyle/>
+              <a:p>
+                <a:pPr algn="ctr"/>
+                <a14:m>
+                  <m:oMath xmlns:m="http://schemas.openxmlformats.org/officeDocument/2006/math">
+                    <m:sSub>
+                      <m:sSubPr>
+                        <m:ctrlPr>
+                          <a:rPr kumimoji="1" lang="en-US" altLang="ja-JP" sz="2400" b="0" i="1" smtClean="0">
+                            <a:latin typeface="Cambria Math" panose="02040503050406030204" pitchFamily="18" charset="0"/>
+                          </a:rPr>
+                        </m:ctrlPr>
+                      </m:sSubPr>
+                      <m:e>
+                        <m:r>
+                          <a:rPr kumimoji="1" lang="en-US" altLang="ja-JP" sz="2400" b="0" i="1" smtClean="0">
+                            <a:latin typeface="Cambria Math" panose="02040503050406030204" pitchFamily="18" charset="0"/>
+                          </a:rPr>
+                          <m:t>𝑉</m:t>
+                        </m:r>
+                      </m:e>
+                      <m:sub>
+                        <m:r>
+                          <a:rPr kumimoji="1" lang="en-US" altLang="ja-JP" sz="2400" b="0" i="1" smtClean="0">
+                            <a:latin typeface="Cambria Math" panose="02040503050406030204" pitchFamily="18" charset="0"/>
+                          </a:rPr>
+                          <m:t>𝐶𝑇𝑅𝐿</m:t>
+                        </m:r>
+                      </m:sub>
+                    </m:sSub>
+                    <m:r>
+                      <a:rPr kumimoji="1" lang="en-US" altLang="ja-JP" sz="2400" b="0" i="1" smtClean="0">
+                        <a:latin typeface="Cambria Math" panose="02040503050406030204" pitchFamily="18" charset="0"/>
+                      </a:rPr>
+                      <m:t>=0.1</m:t>
+                    </m:r>
+                  </m:oMath>
+                </a14:m>
+                <a:r>
+                  <a:rPr kumimoji="1" lang="ja-JP" altLang="en-US" sz="2400" dirty="0"/>
+                  <a:t> </a:t>
+                </a:r>
+                <a:r>
+                  <a:rPr kumimoji="1" lang="en-US" altLang="ja-JP" sz="2400" dirty="0"/>
+                  <a:t>V</a:t>
+                </a:r>
+                <a:r>
+                  <a:rPr kumimoji="1" lang="ja-JP" altLang="en-US" sz="2400" dirty="0"/>
+                  <a:t>での</a:t>
+                </a:r>
+                <a:r>
+                  <a:rPr kumimoji="1" lang="en-US" altLang="ja-JP" sz="2400" dirty="0"/>
+                  <a:t>AC</a:t>
+                </a:r>
+                <a:r>
+                  <a:rPr kumimoji="1" lang="ja-JP" altLang="en-US" sz="2400" dirty="0"/>
+                  <a:t>解析結果。</a:t>
+                </a:r>
+                <a:endParaRPr kumimoji="1" lang="en-US" altLang="ja-JP" sz="2400" dirty="0"/>
+              </a:p>
+              <a:p>
+                <a:pPr algn="ctr"/>
+                <a:endParaRPr kumimoji="1" lang="en-US" altLang="ja-JP" sz="2400" dirty="0"/>
+              </a:p>
+              <a:p>
+                <a:pPr algn="ctr"/>
+                <a:r>
+                  <a:rPr kumimoji="1" lang="ja-JP" altLang="en-US" sz="2400" dirty="0"/>
+                  <a:t>提案回路の遮断周波数 </a:t>
+                </a:r>
+                <a:r>
+                  <a:rPr kumimoji="1" lang="en-US" altLang="ja-JP" sz="2400" dirty="0"/>
+                  <a:t>: 1.1 GHz</a:t>
+                </a:r>
+              </a:p>
+              <a:p>
+                <a:pPr algn="ctr"/>
+                <a:r>
+                  <a:rPr kumimoji="1" lang="ja-JP" altLang="en-US" sz="2400" dirty="0"/>
+                  <a:t>従来型の遮断周波数 </a:t>
+                </a:r>
+                <a:r>
+                  <a:rPr kumimoji="1" lang="en-US" altLang="ja-JP" sz="2400" dirty="0"/>
+                  <a:t>: 4.4 GHz</a:t>
+                </a:r>
+              </a:p>
+              <a:p>
+                <a:pPr algn="ctr"/>
+                <a:endParaRPr lang="en-US" altLang="ja-JP" sz="2400" dirty="0"/>
+              </a:p>
+              <a:p>
+                <a:pPr algn="ctr"/>
+                <a:r>
+                  <a:rPr kumimoji="1" lang="ja-JP" altLang="en-US" sz="2400" dirty="0"/>
+                  <a:t>遮断周波数・位相特性ともに</a:t>
+                </a:r>
+                <a:endParaRPr kumimoji="1" lang="en-US" altLang="ja-JP" sz="2400" dirty="0"/>
+              </a:p>
+              <a:p>
+                <a:pPr algn="ctr"/>
+                <a:r>
+                  <a:rPr kumimoji="1" lang="ja-JP" altLang="en-US" sz="2400" dirty="0"/>
+                  <a:t>従来型のものからは劣化。</a:t>
+                </a:r>
+                <a:endParaRPr kumimoji="1" lang="en-US" altLang="ja-JP" sz="2400" dirty="0"/>
+              </a:p>
+            </p:txBody>
+          </p:sp>
+        </mc:Choice>
+        <mc:Fallback>
+          <p:sp>
+            <p:nvSpPr>
+              <p:cNvPr id="8" name="テキスト ボックス 7">
+                <a:extLst>
+                  <a:ext uri="{FF2B5EF4-FFF2-40B4-BE49-F238E27FC236}">
+                    <a16:creationId xmlns:a16="http://schemas.microsoft.com/office/drawing/2014/main" id="{35EE794D-9F83-4389-2DBC-BC615AB51F4B}"/>
+                  </a:ext>
+                </a:extLst>
+              </p:cNvPr>
+              <p:cNvSpPr txBox="1">
+                <a:spLocks noRot="1" noChangeAspect="1" noMove="1" noResize="1" noEditPoints="1" noAdjustHandles="1" noChangeArrowheads="1" noChangeShapeType="1" noTextEdit="1"/>
+              </p:cNvSpPr>
+              <p:nvPr/>
+            </p:nvSpPr>
+            <p:spPr>
+              <a:xfrm>
+                <a:off x="7240297" y="2523083"/>
+                <a:ext cx="4685066" cy="2677656"/>
+              </a:xfrm>
+              <a:prstGeom prst="rect">
+                <a:avLst/>
+              </a:prstGeom>
+              <a:blipFill>
+                <a:blip r:embed="rId3"/>
+                <a:stretch>
+                  <a:fillRect l="-1042" t="-1822" r="-911" b="-4328"/>
+                </a:stretch>
+              </a:blipFill>
+            </p:spPr>
+            <p:txBody>
+              <a:bodyPr/>
+              <a:lstStyle/>
+              <a:p>
+                <a:r>
+                  <a:rPr lang="ja-JP" altLang="en-US">
+                    <a:noFill/>
+                  </a:rPr>
+                  <a:t> </a:t>
+                </a:r>
+              </a:p>
+            </p:txBody>
+          </p:sp>
+        </mc:Fallback>
+      </mc:AlternateContent>
+    </p:spTree>
+    <p:extLst>
+      <p:ext uri="{BB962C8B-B14F-4D97-AF65-F5344CB8AC3E}">
+        <p14:creationId xmlns:p14="http://schemas.microsoft.com/office/powerpoint/2010/main" val="1410002089"/>
+      </p:ext>
+    </p:extLst>
+  </p:cSld>
+  <p:clrMapOvr>
+    <a:masterClrMapping/>
+  </p:clrMapOvr>
+</p:sld>
+</file>
+
+<file path=ppt/slides/slide7.xml><?xml version="1.0" encoding="utf-8"?>
+<p:sld xmlns:a="http://schemas.openxmlformats.org/drawingml/2006/main" xmlns:r="http://schemas.openxmlformats.org/officeDocument/2006/relationships" xmlns:p="http://schemas.openxmlformats.org/presentationml/2006/main">
+  <p:cSld>
+    <p:spTree>
+      <p:nvGrpSpPr>
+        <p:cNvPr id="1" name=""/>
+        <p:cNvGrpSpPr/>
+        <p:nvPr/>
+      </p:nvGrpSpPr>
+      <p:grpSpPr>
+        <a:xfrm>
+          <a:off x="0" y="0"/>
+          <a:ext cx="0" cy="0"/>
+          <a:chOff x="0" y="0"/>
+          <a:chExt cx="0" cy="0"/>
+        </a:xfrm>
+      </p:grpSpPr>
+      <p:sp>
+        <p:nvSpPr>
+          <p:cNvPr id="2" name="タイトル 1">
+            <a:extLst>
+              <a:ext uri="{FF2B5EF4-FFF2-40B4-BE49-F238E27FC236}">
+                <a16:creationId xmlns:a16="http://schemas.microsoft.com/office/drawing/2014/main" id="{06801176-D5FE-A129-7250-509253EE2B90}"/>
+              </a:ext>
+            </a:extLst>
+          </p:cNvPr>
+          <p:cNvSpPr>
+            <a:spLocks noGrp="1"/>
+          </p:cNvSpPr>
+          <p:nvPr>
+            <p:ph type="title"/>
+          </p:nvPr>
+        </p:nvSpPr>
+        <p:spPr/>
+        <p:txBody>
+          <a:bodyPr/>
+          <a:lstStyle/>
+          <a:p>
+            <a:r>
+              <a:rPr kumimoji="1" lang="ja-JP" altLang="en-US" dirty="0"/>
+              <a:t>シミュレーション・過渡解析</a:t>
+            </a:r>
+          </a:p>
+        </p:txBody>
+      </p:sp>
+      <p:sp>
+        <p:nvSpPr>
+          <p:cNvPr id="3" name="日付プレースホルダー 2">
+            <a:extLst>
+              <a:ext uri="{FF2B5EF4-FFF2-40B4-BE49-F238E27FC236}">
+                <a16:creationId xmlns:a16="http://schemas.microsoft.com/office/drawing/2014/main" id="{0C94AAB4-31C0-3288-2630-9CB304642794}"/>
+              </a:ext>
+            </a:extLst>
+          </p:cNvPr>
+          <p:cNvSpPr>
+            <a:spLocks noGrp="1"/>
+          </p:cNvSpPr>
+          <p:nvPr>
+            <p:ph type="dt" sz="half" idx="10"/>
+          </p:nvPr>
+        </p:nvSpPr>
+        <p:spPr/>
+        <p:txBody>
+          <a:bodyPr/>
+          <a:lstStyle/>
+          <a:p>
+            <a:r>
+              <a:rPr kumimoji="1" lang="en-US" altLang="ja-JP"/>
+              <a:t>2023/12/11</a:t>
+            </a:r>
+            <a:endParaRPr kumimoji="1" lang="ja-JP" altLang="en-US"/>
+          </a:p>
+        </p:txBody>
+      </p:sp>
+      <p:sp>
+        <p:nvSpPr>
+          <p:cNvPr id="4" name="スライド番号プレースホルダー 3">
+            <a:extLst>
+              <a:ext uri="{FF2B5EF4-FFF2-40B4-BE49-F238E27FC236}">
+                <a16:creationId xmlns:a16="http://schemas.microsoft.com/office/drawing/2014/main" id="{C285BDCA-17F1-E4FD-A7E6-F5781BA30B83}"/>
+              </a:ext>
+            </a:extLst>
+          </p:cNvPr>
+          <p:cNvSpPr>
+            <a:spLocks noGrp="1"/>
+          </p:cNvSpPr>
+          <p:nvPr>
+            <p:ph type="sldNum" sz="quarter" idx="12"/>
+          </p:nvPr>
+        </p:nvSpPr>
+        <p:spPr/>
+        <p:txBody>
+          <a:bodyPr/>
+          <a:lstStyle/>
+          <a:p>
+            <a:fld id="{6294761A-CFE9-4878-87A7-90ECABD59CE5}" type="slidenum">
+              <a:rPr kumimoji="1" lang="ja-JP" altLang="en-US" smtClean="0"/>
+              <a:t>7</a:t>
+            </a:fld>
+            <a:endParaRPr kumimoji="1" lang="ja-JP" altLang="en-US"/>
+          </a:p>
+        </p:txBody>
+      </p:sp>
+      <p:sp>
+        <p:nvSpPr>
+          <p:cNvPr id="5" name="フッター プレースホルダー 4">
+            <a:extLst>
+              <a:ext uri="{FF2B5EF4-FFF2-40B4-BE49-F238E27FC236}">
+                <a16:creationId xmlns:a16="http://schemas.microsoft.com/office/drawing/2014/main" id="{29610605-4051-E28A-E7C5-2D1BAFB34E8C}"/>
+              </a:ext>
+            </a:extLst>
+          </p:cNvPr>
+          <p:cNvSpPr>
+            <a:spLocks noGrp="1"/>
+          </p:cNvSpPr>
+          <p:nvPr>
+            <p:ph type="ftr" sz="quarter" idx="3"/>
+          </p:nvPr>
+        </p:nvSpPr>
+        <p:spPr/>
+        <p:txBody>
+          <a:bodyPr/>
+          <a:lstStyle/>
+          <a:p>
+            <a:r>
+              <a:rPr lang="en-US" altLang="ja-JP"/>
+              <a:t>Wave Signal Processing Circuit Laboratory,  Meiji University</a:t>
+            </a:r>
+            <a:endParaRPr lang="en-US" altLang="ja-JP" dirty="0"/>
+          </a:p>
+        </p:txBody>
+      </p:sp>
+      <p:pic>
+        <p:nvPicPr>
+          <p:cNvPr id="7" name="図 6" descr="グラフ&#10;&#10;自動的に生成された説明">
+            <a:extLst>
+              <a:ext uri="{FF2B5EF4-FFF2-40B4-BE49-F238E27FC236}">
+                <a16:creationId xmlns:a16="http://schemas.microsoft.com/office/drawing/2014/main" id="{ADB45467-E807-81DF-B7FC-BED6543A026D}"/>
+              </a:ext>
+            </a:extLst>
+          </p:cNvPr>
+          <p:cNvPicPr>
+            <a:picLocks noChangeAspect="1"/>
+          </p:cNvPicPr>
+          <p:nvPr/>
+        </p:nvPicPr>
+        <p:blipFill>
+          <a:blip r:embed="rId2">
+            <a:extLst>
+              <a:ext uri="{28A0092B-C50C-407E-A947-70E740481C1C}">
+                <a14:useLocalDpi xmlns:a14="http://schemas.microsoft.com/office/drawing/2010/main" val="0"/>
+              </a:ext>
+            </a:extLst>
+          </a:blip>
+          <a:stretch>
+            <a:fillRect/>
+          </a:stretch>
+        </p:blipFill>
+        <p:spPr>
+          <a:xfrm>
+            <a:off x="0" y="1069199"/>
+            <a:ext cx="6192114" cy="4334480"/>
+          </a:xfrm>
+          <a:prstGeom prst="rect">
+            <a:avLst/>
+          </a:prstGeom>
+        </p:spPr>
+      </p:pic>
+      <mc:AlternateContent xmlns:mc="http://schemas.openxmlformats.org/markup-compatibility/2006">
+        <mc:Choice xmlns:a14="http://schemas.microsoft.com/office/drawing/2010/main" Requires="a14">
+          <p:sp>
+            <p:nvSpPr>
+              <p:cNvPr id="10" name="テキスト ボックス 9">
+                <a:extLst>
+                  <a:ext uri="{FF2B5EF4-FFF2-40B4-BE49-F238E27FC236}">
+                    <a16:creationId xmlns:a16="http://schemas.microsoft.com/office/drawing/2014/main" id="{5043A742-74B3-BABD-DA84-62901BF4A19C}"/>
+                  </a:ext>
+                </a:extLst>
+              </p:cNvPr>
+              <p:cNvSpPr txBox="1"/>
+              <p:nvPr/>
+            </p:nvSpPr>
+            <p:spPr>
+              <a:xfrm>
+                <a:off x="2467244" y="5401244"/>
+                <a:ext cx="7534275" cy="461665"/>
+              </a:xfrm>
+              <a:prstGeom prst="rect">
+                <a:avLst/>
+              </a:prstGeom>
+              <a:noFill/>
+            </p:spPr>
+            <p:txBody>
+              <a:bodyPr wrap="square" rtlCol="0">
+                <a:spAutoFit/>
+              </a:bodyPr>
+              <a:lstStyle/>
+              <a:p>
+                <a:pPr algn="ctr"/>
+                <a14:m>
+                  <m:oMath xmlns:m="http://schemas.openxmlformats.org/officeDocument/2006/math">
+                    <m:sSub>
+                      <m:sSubPr>
+                        <m:ctrlPr>
+                          <a:rPr kumimoji="1" lang="en-US" altLang="ja-JP" sz="2400" b="0" i="1" smtClean="0">
+                            <a:latin typeface="Cambria Math" panose="02040503050406030204" pitchFamily="18" charset="0"/>
+                          </a:rPr>
+                        </m:ctrlPr>
+                      </m:sSubPr>
+                      <m:e>
+                        <m:r>
+                          <a:rPr kumimoji="1" lang="en-US" altLang="ja-JP" sz="2400" b="0" i="1" smtClean="0">
+                            <a:latin typeface="Cambria Math" panose="02040503050406030204" pitchFamily="18" charset="0"/>
+                          </a:rPr>
+                          <m:t>𝑣</m:t>
+                        </m:r>
+                      </m:e>
+                      <m:sub>
+                        <m:r>
+                          <a:rPr kumimoji="1" lang="en-US" altLang="ja-JP" sz="2400" b="0" i="1" smtClean="0">
+                            <a:latin typeface="Cambria Math" panose="02040503050406030204" pitchFamily="18" charset="0"/>
+                          </a:rPr>
+                          <m:t>𝑖𝑛</m:t>
+                        </m:r>
+                      </m:sub>
+                    </m:sSub>
+                    <m:r>
+                      <a:rPr kumimoji="1" lang="en-US" altLang="ja-JP" sz="2400" b="0" i="1" smtClean="0">
+                        <a:latin typeface="Cambria Math" panose="02040503050406030204" pitchFamily="18" charset="0"/>
+                      </a:rPr>
+                      <m:t>=</m:t>
+                    </m:r>
+                    <m:sSub>
+                      <m:sSubPr>
+                        <m:ctrlPr>
+                          <a:rPr kumimoji="1" lang="en-US" altLang="ja-JP" sz="2400" b="0" i="1" smtClean="0">
+                            <a:latin typeface="Cambria Math" panose="02040503050406030204" pitchFamily="18" charset="0"/>
+                          </a:rPr>
+                        </m:ctrlPr>
+                      </m:sSubPr>
+                      <m:e>
+                        <m:r>
+                          <a:rPr kumimoji="1" lang="en-US" altLang="ja-JP" sz="2400" b="0" i="1" smtClean="0">
+                            <a:latin typeface="Cambria Math" panose="02040503050406030204" pitchFamily="18" charset="0"/>
+                          </a:rPr>
+                          <m:t>𝑉</m:t>
+                        </m:r>
+                      </m:e>
+                      <m:sub>
+                        <m:r>
+                          <a:rPr kumimoji="1" lang="en-US" altLang="ja-JP" sz="2400" b="0" i="1" smtClean="0">
+                            <a:latin typeface="Cambria Math" panose="02040503050406030204" pitchFamily="18" charset="0"/>
+                          </a:rPr>
+                          <m:t>𝐶𝑇𝑅𝐿</m:t>
+                        </m:r>
+                      </m:sub>
+                    </m:sSub>
+                    <m:r>
+                      <a:rPr kumimoji="1" lang="en-US" altLang="ja-JP" sz="2400" b="0" i="1" smtClean="0">
+                        <a:latin typeface="Cambria Math" panose="02040503050406030204" pitchFamily="18" charset="0"/>
+                      </a:rPr>
+                      <m:t>=0.1</m:t>
+                    </m:r>
+                  </m:oMath>
+                </a14:m>
+                <a:r>
+                  <a:rPr kumimoji="1" lang="ja-JP" altLang="en-US" sz="2400" dirty="0"/>
+                  <a:t> </a:t>
+                </a:r>
+                <a:r>
+                  <a:rPr kumimoji="1" lang="en-US" altLang="ja-JP" sz="2400" dirty="0"/>
+                  <a:t>V</a:t>
+                </a:r>
+                <a:r>
+                  <a:rPr kumimoji="1" lang="ja-JP" altLang="en-US" sz="2400" dirty="0"/>
+                  <a:t>での過渡解析とその</a:t>
+                </a:r>
+                <a:r>
+                  <a:rPr kumimoji="1" lang="en-US" altLang="ja-JP" sz="2400" dirty="0" err="1"/>
+                  <a:t>dft</a:t>
+                </a:r>
+                <a:r>
+                  <a:rPr kumimoji="1" lang="ja-JP" altLang="en-US" sz="2400" dirty="0"/>
+                  <a:t>。</a:t>
+                </a:r>
+                <a:endParaRPr kumimoji="1" lang="en-US" altLang="ja-JP" sz="2400" dirty="0"/>
+              </a:p>
+            </p:txBody>
+          </p:sp>
+        </mc:Choice>
+        <mc:Fallback>
+          <p:sp>
+            <p:nvSpPr>
+              <p:cNvPr id="10" name="テキスト ボックス 9">
+                <a:extLst>
+                  <a:ext uri="{FF2B5EF4-FFF2-40B4-BE49-F238E27FC236}">
+                    <a16:creationId xmlns:a16="http://schemas.microsoft.com/office/drawing/2014/main" id="{5043A742-74B3-BABD-DA84-62901BF4A19C}"/>
+                  </a:ext>
+                </a:extLst>
+              </p:cNvPr>
+              <p:cNvSpPr txBox="1">
+                <a:spLocks noRot="1" noChangeAspect="1" noMove="1" noResize="1" noEditPoints="1" noAdjustHandles="1" noChangeArrowheads="1" noChangeShapeType="1" noTextEdit="1"/>
+              </p:cNvSpPr>
+              <p:nvPr/>
+            </p:nvSpPr>
+            <p:spPr>
+              <a:xfrm>
+                <a:off x="2467244" y="5401244"/>
+                <a:ext cx="7534275" cy="461665"/>
+              </a:xfrm>
+              <a:prstGeom prst="rect">
+                <a:avLst/>
+              </a:prstGeom>
+              <a:blipFill>
+                <a:blip r:embed="rId3"/>
+                <a:stretch>
+                  <a:fillRect t="-10526" b="-28947"/>
+                </a:stretch>
+              </a:blipFill>
+            </p:spPr>
+            <p:txBody>
+              <a:bodyPr/>
+              <a:lstStyle/>
+              <a:p>
+                <a:r>
+                  <a:rPr lang="ja-JP" altLang="en-US">
+                    <a:noFill/>
+                  </a:rPr>
+                  <a:t> </a:t>
+                </a:r>
+              </a:p>
+            </p:txBody>
+          </p:sp>
+        </mc:Fallback>
+      </mc:AlternateContent>
+      <p:pic>
+        <p:nvPicPr>
+          <p:cNvPr id="14" name="図 13" descr="グラフ, 折れ線グラフ&#10;&#10;自動的に生成された説明">
+            <a:extLst>
+              <a:ext uri="{FF2B5EF4-FFF2-40B4-BE49-F238E27FC236}">
+                <a16:creationId xmlns:a16="http://schemas.microsoft.com/office/drawing/2014/main" id="{D642698F-1D75-1824-1C6B-9B577B80CDC5}"/>
+              </a:ext>
+            </a:extLst>
+          </p:cNvPr>
+          <p:cNvPicPr>
+            <a:picLocks noChangeAspect="1"/>
+          </p:cNvPicPr>
+          <p:nvPr/>
+        </p:nvPicPr>
+        <p:blipFill>
+          <a:blip r:embed="rId4">
+            <a:extLst>
+              <a:ext uri="{28A0092B-C50C-407E-A947-70E740481C1C}">
+                <a14:useLocalDpi xmlns:a14="http://schemas.microsoft.com/office/drawing/2010/main" val="0"/>
+              </a:ext>
+            </a:extLst>
+          </a:blip>
+          <a:stretch>
+            <a:fillRect/>
+          </a:stretch>
+        </p:blipFill>
+        <p:spPr>
+          <a:xfrm>
+            <a:off x="5999886" y="1066764"/>
+            <a:ext cx="6192114" cy="4334480"/>
+          </a:xfrm>
+          <a:prstGeom prst="rect">
+            <a:avLst/>
+          </a:prstGeom>
+        </p:spPr>
+      </p:pic>
+    </p:spTree>
+    <p:extLst>
+      <p:ext uri="{BB962C8B-B14F-4D97-AF65-F5344CB8AC3E}">
+        <p14:creationId xmlns:p14="http://schemas.microsoft.com/office/powerpoint/2010/main" val="2402424328"/>
+      </p:ext>
+    </p:extLst>
+  </p:cSld>
+  <p:clrMapOvr>
+    <a:masterClrMapping/>
+  </p:clrMapOvr>
+</p:sld>
+</file>
+
+<file path=ppt/slides/slide8.xml><?xml version="1.0" encoding="utf-8"?>
+<p:sld xmlns:a="http://schemas.openxmlformats.org/drawingml/2006/main" xmlns:r="http://schemas.openxmlformats.org/officeDocument/2006/relationships" xmlns:p="http://schemas.openxmlformats.org/presentationml/2006/main">
+  <p:cSld>
+    <p:spTree>
+      <p:nvGrpSpPr>
+        <p:cNvPr id="1" name=""/>
+        <p:cNvGrpSpPr/>
+        <p:nvPr/>
+      </p:nvGrpSpPr>
+      <p:grpSpPr>
+        <a:xfrm>
+          <a:off x="0" y="0"/>
+          <a:ext cx="0" cy="0"/>
+          <a:chOff x="0" y="0"/>
+          <a:chExt cx="0" cy="0"/>
+        </a:xfrm>
+      </p:grpSpPr>
+      <p:sp>
+        <p:nvSpPr>
+          <p:cNvPr id="2" name="タイトル 1">
+            <a:extLst>
+              <a:ext uri="{FF2B5EF4-FFF2-40B4-BE49-F238E27FC236}">
+                <a16:creationId xmlns:a16="http://schemas.microsoft.com/office/drawing/2014/main" id="{54267606-ACA5-8045-65FC-3D31C2893442}"/>
+              </a:ext>
+            </a:extLst>
+          </p:cNvPr>
+          <p:cNvSpPr>
+            <a:spLocks noGrp="1"/>
+          </p:cNvSpPr>
+          <p:nvPr>
+            <p:ph type="title"/>
+          </p:nvPr>
+        </p:nvSpPr>
+        <p:spPr/>
+        <p:txBody>
+          <a:bodyPr/>
+          <a:lstStyle/>
+          <a:p>
+            <a:r>
+              <a:rPr kumimoji="1" lang="ja-JP" altLang="en-US" dirty="0"/>
+              <a:t>シミュレーション・過渡解析</a:t>
+            </a:r>
+          </a:p>
+        </p:txBody>
+      </p:sp>
+      <p:sp>
+        <p:nvSpPr>
+          <p:cNvPr id="3" name="日付プレースホルダー 2">
+            <a:extLst>
+              <a:ext uri="{FF2B5EF4-FFF2-40B4-BE49-F238E27FC236}">
+                <a16:creationId xmlns:a16="http://schemas.microsoft.com/office/drawing/2014/main" id="{DD1FCD39-3F30-3C18-0B31-2871636A4251}"/>
+              </a:ext>
+            </a:extLst>
+          </p:cNvPr>
+          <p:cNvSpPr>
+            <a:spLocks noGrp="1"/>
+          </p:cNvSpPr>
+          <p:nvPr>
+            <p:ph type="dt" sz="half" idx="10"/>
+          </p:nvPr>
+        </p:nvSpPr>
+        <p:spPr/>
+        <p:txBody>
+          <a:bodyPr/>
+          <a:lstStyle/>
+          <a:p>
+            <a:r>
+              <a:rPr kumimoji="1" lang="en-US" altLang="ja-JP"/>
+              <a:t>2023/12/11</a:t>
+            </a:r>
+            <a:endParaRPr kumimoji="1" lang="ja-JP" altLang="en-US"/>
+          </a:p>
+        </p:txBody>
+      </p:sp>
+      <p:sp>
+        <p:nvSpPr>
+          <p:cNvPr id="4" name="スライド番号プレースホルダー 3">
+            <a:extLst>
+              <a:ext uri="{FF2B5EF4-FFF2-40B4-BE49-F238E27FC236}">
+                <a16:creationId xmlns:a16="http://schemas.microsoft.com/office/drawing/2014/main" id="{FC8B94C9-B275-F957-4DB8-F9585C5DDAEF}"/>
+              </a:ext>
+            </a:extLst>
+          </p:cNvPr>
+          <p:cNvSpPr>
+            <a:spLocks noGrp="1"/>
+          </p:cNvSpPr>
+          <p:nvPr>
+            <p:ph type="sldNum" sz="quarter" idx="12"/>
+          </p:nvPr>
+        </p:nvSpPr>
+        <p:spPr/>
+        <p:txBody>
+          <a:bodyPr/>
+          <a:lstStyle/>
+          <a:p>
+            <a:fld id="{6294761A-CFE9-4878-87A7-90ECABD59CE5}" type="slidenum">
+              <a:rPr kumimoji="1" lang="ja-JP" altLang="en-US" smtClean="0"/>
+              <a:t>8</a:t>
+            </a:fld>
+            <a:endParaRPr kumimoji="1" lang="ja-JP" altLang="en-US"/>
+          </a:p>
+        </p:txBody>
+      </p:sp>
+      <p:sp>
+        <p:nvSpPr>
+          <p:cNvPr id="5" name="フッター プレースホルダー 4">
+            <a:extLst>
+              <a:ext uri="{FF2B5EF4-FFF2-40B4-BE49-F238E27FC236}">
+                <a16:creationId xmlns:a16="http://schemas.microsoft.com/office/drawing/2014/main" id="{31AC177F-B30A-907B-DB61-D98238C79CE5}"/>
+              </a:ext>
+            </a:extLst>
+          </p:cNvPr>
+          <p:cNvSpPr>
+            <a:spLocks noGrp="1"/>
+          </p:cNvSpPr>
+          <p:nvPr>
+            <p:ph type="ftr" sz="quarter" idx="3"/>
+          </p:nvPr>
+        </p:nvSpPr>
+        <p:spPr/>
+        <p:txBody>
+          <a:bodyPr/>
+          <a:lstStyle/>
+          <a:p>
+            <a:r>
+              <a:rPr lang="en-US" altLang="ja-JP"/>
+              <a:t>Wave Signal Processing Circuit Laboratory,  Meiji University</a:t>
+            </a:r>
+            <a:endParaRPr lang="en-US" altLang="ja-JP" dirty="0"/>
+          </a:p>
+        </p:txBody>
+      </p:sp>
+      <p:pic>
+        <p:nvPicPr>
+          <p:cNvPr id="9" name="図 8" descr="グラフ&#10;&#10;自動的に生成された説明">
+            <a:extLst>
+              <a:ext uri="{FF2B5EF4-FFF2-40B4-BE49-F238E27FC236}">
+                <a16:creationId xmlns:a16="http://schemas.microsoft.com/office/drawing/2014/main" id="{A2009E65-69E7-CDDA-B369-38F62FA19A46}"/>
+              </a:ext>
+            </a:extLst>
+          </p:cNvPr>
+          <p:cNvPicPr>
+            <a:picLocks noChangeAspect="1"/>
+          </p:cNvPicPr>
+          <p:nvPr/>
+        </p:nvPicPr>
+        <p:blipFill>
+          <a:blip r:embed="rId2">
+            <a:extLst>
+              <a:ext uri="{28A0092B-C50C-407E-A947-70E740481C1C}">
+                <a14:useLocalDpi xmlns:a14="http://schemas.microsoft.com/office/drawing/2010/main" val="0"/>
+              </a:ext>
+            </a:extLst>
+          </a:blip>
+          <a:stretch>
+            <a:fillRect/>
+          </a:stretch>
+        </p:blipFill>
+        <p:spPr>
+          <a:xfrm>
+            <a:off x="0" y="1066764"/>
+            <a:ext cx="6192114" cy="4334480"/>
+          </a:xfrm>
+          <a:prstGeom prst="rect">
+            <a:avLst/>
+          </a:prstGeom>
+        </p:spPr>
+      </p:pic>
+      <mc:AlternateContent xmlns:mc="http://schemas.openxmlformats.org/markup-compatibility/2006">
+        <mc:Choice xmlns:a14="http://schemas.microsoft.com/office/drawing/2010/main" Requires="a14">
+          <p:sp>
+            <p:nvSpPr>
+              <p:cNvPr id="11" name="テキスト ボックス 10">
+                <a:extLst>
+                  <a:ext uri="{FF2B5EF4-FFF2-40B4-BE49-F238E27FC236}">
+                    <a16:creationId xmlns:a16="http://schemas.microsoft.com/office/drawing/2014/main" id="{B89F1AAF-A67A-3B60-C383-AA5A83E65A68}"/>
+                  </a:ext>
+                </a:extLst>
+              </p:cNvPr>
+              <p:cNvSpPr txBox="1"/>
+              <p:nvPr/>
+            </p:nvSpPr>
+            <p:spPr>
+              <a:xfrm>
+                <a:off x="2467244" y="5401244"/>
+                <a:ext cx="7534275" cy="830997"/>
+              </a:xfrm>
+              <a:prstGeom prst="rect">
+                <a:avLst/>
+              </a:prstGeom>
+              <a:noFill/>
+            </p:spPr>
+            <p:txBody>
+              <a:bodyPr wrap="square" rtlCol="0">
+                <a:spAutoFit/>
+              </a:bodyPr>
+              <a:lstStyle/>
+              <a:p>
+                <a:pPr algn="ctr"/>
+                <a14:m>
+                  <m:oMath xmlns:m="http://schemas.openxmlformats.org/officeDocument/2006/math">
+                    <m:sSub>
+                      <m:sSubPr>
+                        <m:ctrlPr>
+                          <a:rPr kumimoji="1" lang="en-US" altLang="ja-JP" sz="2400" b="0" i="1" smtClean="0">
+                            <a:latin typeface="Cambria Math" panose="02040503050406030204" pitchFamily="18" charset="0"/>
+                          </a:rPr>
+                        </m:ctrlPr>
+                      </m:sSubPr>
+                      <m:e>
+                        <m:r>
+                          <a:rPr kumimoji="1" lang="en-US" altLang="ja-JP" sz="2400" b="0" i="1" smtClean="0">
+                            <a:latin typeface="Cambria Math" panose="02040503050406030204" pitchFamily="18" charset="0"/>
+                          </a:rPr>
+                          <m:t>𝑣</m:t>
+                        </m:r>
+                      </m:e>
+                      <m:sub>
+                        <m:r>
+                          <a:rPr kumimoji="1" lang="en-US" altLang="ja-JP" sz="2400" b="0" i="1" smtClean="0">
+                            <a:latin typeface="Cambria Math" panose="02040503050406030204" pitchFamily="18" charset="0"/>
+                          </a:rPr>
+                          <m:t>𝑖𝑛</m:t>
+                        </m:r>
+                      </m:sub>
+                    </m:sSub>
+                    <m:r>
+                      <a:rPr kumimoji="1" lang="en-US" altLang="ja-JP" sz="2400" b="0" i="1" smtClean="0">
+                        <a:latin typeface="Cambria Math" panose="02040503050406030204" pitchFamily="18" charset="0"/>
+                      </a:rPr>
+                      <m:t>=0.2 </m:t>
+                    </m:r>
+                    <m:r>
+                      <m:rPr>
+                        <m:sty m:val="p"/>
+                      </m:rPr>
+                      <a:rPr kumimoji="1" lang="en-US" altLang="ja-JP" sz="2400" b="0" i="0" smtClean="0">
+                        <a:latin typeface="Cambria Math" panose="02040503050406030204" pitchFamily="18" charset="0"/>
+                      </a:rPr>
+                      <m:t>V</m:t>
+                    </m:r>
+                    <m:r>
+                      <a:rPr kumimoji="1" lang="en-US" altLang="ja-JP" sz="2400" b="0" i="1" smtClean="0">
+                        <a:latin typeface="Cambria Math" panose="02040503050406030204" pitchFamily="18" charset="0"/>
+                      </a:rPr>
+                      <m:t>, </m:t>
+                    </m:r>
+                    <m:sSub>
+                      <m:sSubPr>
+                        <m:ctrlPr>
+                          <a:rPr kumimoji="1" lang="en-US" altLang="ja-JP" sz="2400" b="0" i="1" smtClean="0">
+                            <a:latin typeface="Cambria Math" panose="02040503050406030204" pitchFamily="18" charset="0"/>
+                          </a:rPr>
+                        </m:ctrlPr>
+                      </m:sSubPr>
+                      <m:e>
+                        <m:r>
+                          <a:rPr kumimoji="1" lang="en-US" altLang="ja-JP" sz="2400" b="0" i="1" smtClean="0">
+                            <a:latin typeface="Cambria Math" panose="02040503050406030204" pitchFamily="18" charset="0"/>
+                          </a:rPr>
+                          <m:t>𝑉</m:t>
+                        </m:r>
+                      </m:e>
+                      <m:sub>
+                        <m:r>
+                          <a:rPr kumimoji="1" lang="en-US" altLang="ja-JP" sz="2400" b="0" i="1" smtClean="0">
+                            <a:latin typeface="Cambria Math" panose="02040503050406030204" pitchFamily="18" charset="0"/>
+                          </a:rPr>
+                          <m:t>𝐶𝑇𝑅𝐿</m:t>
+                        </m:r>
+                      </m:sub>
+                    </m:sSub>
+                    <m:r>
+                      <a:rPr kumimoji="1" lang="en-US" altLang="ja-JP" sz="2400" b="0" i="1" smtClean="0">
+                        <a:latin typeface="Cambria Math" panose="02040503050406030204" pitchFamily="18" charset="0"/>
+                      </a:rPr>
+                      <m:t>=0.1</m:t>
+                    </m:r>
+                    <m:r>
+                      <a:rPr kumimoji="1" lang="en-US" altLang="ja-JP" sz="2400" b="0" i="0" smtClean="0">
+                        <a:latin typeface="Cambria Math" panose="02040503050406030204" pitchFamily="18" charset="0"/>
+                      </a:rPr>
+                      <m:t> </m:t>
+                    </m:r>
+                    <m:r>
+                      <m:rPr>
+                        <m:sty m:val="p"/>
+                      </m:rPr>
+                      <a:rPr kumimoji="1" lang="en-US" altLang="ja-JP" sz="2400" b="0" i="0" smtClean="0">
+                        <a:latin typeface="Cambria Math" panose="02040503050406030204" pitchFamily="18" charset="0"/>
+                      </a:rPr>
+                      <m:t>V</m:t>
+                    </m:r>
+                  </m:oMath>
+                </a14:m>
+                <a:r>
+                  <a:rPr kumimoji="1" lang="ja-JP" altLang="en-US" sz="2400" dirty="0"/>
+                  <a:t>での過渡解析とその</a:t>
+                </a:r>
+                <a:r>
+                  <a:rPr kumimoji="1" lang="en-US" altLang="ja-JP" sz="2400" dirty="0" err="1"/>
+                  <a:t>dft</a:t>
+                </a:r>
+                <a:r>
+                  <a:rPr lang="ja-JP" altLang="en-US" sz="2400" dirty="0"/>
+                  <a:t>。</a:t>
+                </a:r>
+                <a:endParaRPr lang="en-US" altLang="ja-JP" sz="2400" dirty="0"/>
+              </a:p>
+              <a:p>
+                <a:pPr algn="ctr"/>
+                <a:r>
+                  <a:rPr kumimoji="1" lang="ja-JP" altLang="en-US" sz="2400" dirty="0"/>
+                  <a:t>奇数時高調波が乗っている様子が分かる。</a:t>
+                </a:r>
+                <a:endParaRPr kumimoji="1" lang="en-US" altLang="ja-JP" sz="2400" dirty="0"/>
+              </a:p>
+            </p:txBody>
+          </p:sp>
+        </mc:Choice>
+        <mc:Fallback>
+          <p:sp>
+            <p:nvSpPr>
+              <p:cNvPr id="11" name="テキスト ボックス 10">
+                <a:extLst>
+                  <a:ext uri="{FF2B5EF4-FFF2-40B4-BE49-F238E27FC236}">
+                    <a16:creationId xmlns:a16="http://schemas.microsoft.com/office/drawing/2014/main" id="{B89F1AAF-A67A-3B60-C383-AA5A83E65A68}"/>
+                  </a:ext>
+                </a:extLst>
+              </p:cNvPr>
+              <p:cNvSpPr txBox="1">
+                <a:spLocks noRot="1" noChangeAspect="1" noMove="1" noResize="1" noEditPoints="1" noAdjustHandles="1" noChangeArrowheads="1" noChangeShapeType="1" noTextEdit="1"/>
+              </p:cNvSpPr>
+              <p:nvPr/>
+            </p:nvSpPr>
+            <p:spPr>
+              <a:xfrm>
+                <a:off x="2467244" y="5401244"/>
+                <a:ext cx="7534275" cy="830997"/>
+              </a:xfrm>
+              <a:prstGeom prst="rect">
+                <a:avLst/>
+              </a:prstGeom>
+              <a:blipFill>
+                <a:blip r:embed="rId3"/>
+                <a:stretch>
+                  <a:fillRect t="-5882" b="-16176"/>
+                </a:stretch>
+              </a:blipFill>
+            </p:spPr>
+            <p:txBody>
+              <a:bodyPr/>
+              <a:lstStyle/>
+              <a:p>
+                <a:r>
+                  <a:rPr lang="ja-JP" altLang="en-US">
+                    <a:noFill/>
+                  </a:rPr>
+                  <a:t> </a:t>
+                </a:r>
+              </a:p>
+            </p:txBody>
+          </p:sp>
+        </mc:Fallback>
+      </mc:AlternateContent>
+      <p:pic>
+        <p:nvPicPr>
+          <p:cNvPr id="15" name="図 14" descr="グラフ, 折れ線グラフ&#10;&#10;自動的に生成された説明">
+            <a:extLst>
+              <a:ext uri="{FF2B5EF4-FFF2-40B4-BE49-F238E27FC236}">
+                <a16:creationId xmlns:a16="http://schemas.microsoft.com/office/drawing/2014/main" id="{3DADA7D5-8DDF-DCF7-CA41-37BFA80CEFD9}"/>
+              </a:ext>
+            </a:extLst>
+          </p:cNvPr>
+          <p:cNvPicPr>
+            <a:picLocks noChangeAspect="1"/>
+          </p:cNvPicPr>
+          <p:nvPr/>
+        </p:nvPicPr>
+        <p:blipFill>
+          <a:blip r:embed="rId4">
+            <a:extLst>
+              <a:ext uri="{28A0092B-C50C-407E-A947-70E740481C1C}">
+                <a14:useLocalDpi xmlns:a14="http://schemas.microsoft.com/office/drawing/2010/main" val="0"/>
+              </a:ext>
+            </a:extLst>
+          </a:blip>
+          <a:stretch>
+            <a:fillRect/>
+          </a:stretch>
+        </p:blipFill>
+        <p:spPr>
+          <a:xfrm>
+            <a:off x="5999886" y="1066764"/>
+            <a:ext cx="6192114" cy="4334480"/>
+          </a:xfrm>
+          <a:prstGeom prst="rect">
+            <a:avLst/>
+          </a:prstGeom>
+        </p:spPr>
+      </p:pic>
+    </p:spTree>
+    <p:extLst>
+      <p:ext uri="{BB962C8B-B14F-4D97-AF65-F5344CB8AC3E}">
+        <p14:creationId xmlns:p14="http://schemas.microsoft.com/office/powerpoint/2010/main" val="1883375351"/>
+      </p:ext>
+    </p:extLst>
+  </p:cSld>
+  <p:clrMapOvr>
+    <a:masterClrMapping/>
+  </p:clrMapOvr>
+</p:sld>
+</file>
+
+<file path=ppt/slides/slide9.xml><?xml version="1.0" encoding="utf-8"?>
+<p:sld xmlns:a="http://schemas.openxmlformats.org/drawingml/2006/main" xmlns:r="http://schemas.openxmlformats.org/officeDocument/2006/relationships" xmlns:p="http://schemas.openxmlformats.org/presentationml/2006/main">
+  <p:cSld>
+    <p:spTree>
+      <p:nvGrpSpPr>
+        <p:cNvPr id="1" name=""/>
+        <p:cNvGrpSpPr/>
+        <p:nvPr/>
+      </p:nvGrpSpPr>
+      <p:grpSpPr>
+        <a:xfrm>
+          <a:off x="0" y="0"/>
+          <a:ext cx="0" cy="0"/>
+          <a:chOff x="0" y="0"/>
+          <a:chExt cx="0" cy="0"/>
+        </a:xfrm>
+      </p:grpSpPr>
+      <p:sp>
+        <p:nvSpPr>
+          <p:cNvPr id="2" name="タイトル 1">
+            <a:extLst>
+              <a:ext uri="{FF2B5EF4-FFF2-40B4-BE49-F238E27FC236}">
+                <a16:creationId xmlns:a16="http://schemas.microsoft.com/office/drawing/2014/main" id="{BC8A9F12-BD8B-DFB9-58E4-B236A0B98931}"/>
+              </a:ext>
+            </a:extLst>
+          </p:cNvPr>
+          <p:cNvSpPr>
+            <a:spLocks noGrp="1"/>
+          </p:cNvSpPr>
+          <p:nvPr>
+            <p:ph type="title"/>
+          </p:nvPr>
+        </p:nvSpPr>
+        <p:spPr/>
+        <p:txBody>
+          <a:bodyPr>
+            <a:normAutofit/>
+          </a:bodyPr>
+          <a:lstStyle/>
+          <a:p>
+            <a:r>
+              <a:rPr lang="ja-JP" altLang="en-US" sz="4000" dirty="0"/>
+              <a:t>チップレベルでのシミュレーション</a:t>
+            </a:r>
+            <a:endParaRPr kumimoji="1" lang="ja-JP" altLang="en-US" dirty="0"/>
+          </a:p>
+        </p:txBody>
+      </p:sp>
+      <p:sp>
+        <p:nvSpPr>
+          <p:cNvPr id="3" name="日付プレースホルダー 2">
+            <a:extLst>
+              <a:ext uri="{FF2B5EF4-FFF2-40B4-BE49-F238E27FC236}">
+                <a16:creationId xmlns:a16="http://schemas.microsoft.com/office/drawing/2014/main" id="{44F3727B-DA10-2C53-A4BF-DF007292BED6}"/>
+              </a:ext>
+            </a:extLst>
+          </p:cNvPr>
+          <p:cNvSpPr>
+            <a:spLocks noGrp="1"/>
+          </p:cNvSpPr>
+          <p:nvPr>
+            <p:ph type="dt" sz="half" idx="10"/>
+          </p:nvPr>
+        </p:nvSpPr>
+        <p:spPr/>
+        <p:txBody>
+          <a:bodyPr/>
+          <a:lstStyle/>
+          <a:p>
+            <a:r>
+              <a:rPr kumimoji="1" lang="en-US" altLang="ja-JP"/>
+              <a:t>2023/12/11</a:t>
+            </a:r>
+            <a:endParaRPr kumimoji="1" lang="ja-JP" altLang="en-US"/>
+          </a:p>
+        </p:txBody>
+      </p:sp>
+      <p:sp>
+        <p:nvSpPr>
+          <p:cNvPr id="4" name="スライド番号プレースホルダー 3">
+            <a:extLst>
+              <a:ext uri="{FF2B5EF4-FFF2-40B4-BE49-F238E27FC236}">
+                <a16:creationId xmlns:a16="http://schemas.microsoft.com/office/drawing/2014/main" id="{6FBDB403-9EDA-7C7C-3E34-735577D5535C}"/>
+              </a:ext>
+            </a:extLst>
+          </p:cNvPr>
+          <p:cNvSpPr>
+            <a:spLocks noGrp="1"/>
+          </p:cNvSpPr>
+          <p:nvPr>
+            <p:ph type="sldNum" sz="quarter" idx="12"/>
+          </p:nvPr>
+        </p:nvSpPr>
+        <p:spPr/>
+        <p:txBody>
+          <a:bodyPr/>
+          <a:lstStyle/>
+          <a:p>
+            <a:fld id="{6294761A-CFE9-4878-87A7-90ECABD59CE5}" type="slidenum">
+              <a:rPr kumimoji="1" lang="ja-JP" altLang="en-US" smtClean="0"/>
+              <a:t>9</a:t>
+            </a:fld>
+            <a:endParaRPr kumimoji="1" lang="ja-JP" altLang="en-US"/>
+          </a:p>
+        </p:txBody>
+      </p:sp>
+      <p:sp>
+        <p:nvSpPr>
+          <p:cNvPr id="5" name="フッター プレースホルダー 4">
+            <a:extLst>
+              <a:ext uri="{FF2B5EF4-FFF2-40B4-BE49-F238E27FC236}">
+                <a16:creationId xmlns:a16="http://schemas.microsoft.com/office/drawing/2014/main" id="{49F0D61B-071A-9A9E-061B-63DFB5C6A0D8}"/>
+              </a:ext>
+            </a:extLst>
+          </p:cNvPr>
+          <p:cNvSpPr>
+            <a:spLocks noGrp="1"/>
+          </p:cNvSpPr>
+          <p:nvPr>
+            <p:ph type="ftr" sz="quarter" idx="3"/>
+          </p:nvPr>
+        </p:nvSpPr>
+        <p:spPr/>
+        <p:txBody>
+          <a:bodyPr/>
+          <a:lstStyle/>
+          <a:p>
+            <a:r>
+              <a:rPr lang="en-US" altLang="ja-JP"/>
+              <a:t>Wave Signal Processing Circuit Laboratory,  Meiji University</a:t>
+            </a:r>
+            <a:endParaRPr lang="en-US" altLang="ja-JP" dirty="0"/>
+          </a:p>
+        </p:txBody>
+      </p:sp>
+      <p:pic>
+        <p:nvPicPr>
+          <p:cNvPr id="7" name="図 6" descr="アイコン&#10;&#10;自動的に生成された説明">
+            <a:extLst>
+              <a:ext uri="{FF2B5EF4-FFF2-40B4-BE49-F238E27FC236}">
+                <a16:creationId xmlns:a16="http://schemas.microsoft.com/office/drawing/2014/main" id="{E2160ADE-81F9-4616-064C-F4B3F0D3BC3E}"/>
+              </a:ext>
+            </a:extLst>
+          </p:cNvPr>
+          <p:cNvPicPr>
+            <a:picLocks noChangeAspect="1"/>
+          </p:cNvPicPr>
+          <p:nvPr/>
+        </p:nvPicPr>
+        <p:blipFill>
+          <a:blip r:embed="rId2">
+            <a:extLst>
+              <a:ext uri="{28A0092B-C50C-407E-A947-70E740481C1C}">
+                <a14:useLocalDpi xmlns:a14="http://schemas.microsoft.com/office/drawing/2010/main" val="0"/>
+              </a:ext>
+            </a:extLst>
+          </a:blip>
+          <a:stretch>
+            <a:fillRect/>
+          </a:stretch>
+        </p:blipFill>
+        <p:spPr>
+          <a:xfrm>
+            <a:off x="617487" y="1239606"/>
+            <a:ext cx="7170033" cy="2979969"/>
+          </a:xfrm>
+          <a:prstGeom prst="rect">
+            <a:avLst/>
+          </a:prstGeom>
+        </p:spPr>
+      </p:pic>
+      <p:sp>
+        <p:nvSpPr>
+          <p:cNvPr id="8" name="テキスト ボックス 7">
+            <a:extLst>
+              <a:ext uri="{FF2B5EF4-FFF2-40B4-BE49-F238E27FC236}">
+                <a16:creationId xmlns:a16="http://schemas.microsoft.com/office/drawing/2014/main" id="{EBDAEDA5-E76D-D040-8C7A-E73E0F6B3C97}"/>
+              </a:ext>
+            </a:extLst>
+          </p:cNvPr>
+          <p:cNvSpPr txBox="1"/>
+          <p:nvPr/>
+        </p:nvSpPr>
+        <p:spPr>
+          <a:xfrm>
+            <a:off x="5872162" y="4619524"/>
+            <a:ext cx="6005514" cy="1569660"/>
+          </a:xfrm>
+          <a:prstGeom prst="rect">
+            <a:avLst/>
+          </a:prstGeom>
+          <a:noFill/>
+        </p:spPr>
+        <p:txBody>
+          <a:bodyPr wrap="square" rtlCol="0">
+            <a:spAutoFit/>
+          </a:bodyPr>
+          <a:lstStyle/>
+          <a:p>
+            <a:pPr algn="ctr"/>
+            <a:r>
+              <a:rPr lang="ja-JP" altLang="en-US" sz="2400" dirty="0"/>
+              <a:t>高周波を入力する場合図のような寄生素子が影響を及ぼす。</a:t>
+            </a:r>
+            <a:endParaRPr lang="en-US" altLang="ja-JP" sz="2400" dirty="0"/>
+          </a:p>
+          <a:p>
+            <a:pPr algn="ctr"/>
+            <a:r>
+              <a:rPr lang="ja-JP" altLang="en-US" sz="2400" dirty="0"/>
+              <a:t>⇓</a:t>
+            </a:r>
+            <a:endParaRPr lang="en-US" altLang="ja-JP" sz="2400" dirty="0"/>
+          </a:p>
+          <a:p>
+            <a:pPr algn="ctr"/>
+            <a:r>
+              <a:rPr kumimoji="1" lang="ja-JP" altLang="en-US" sz="2400" dirty="0"/>
+              <a:t>これを含めたシミュレーションを行う。</a:t>
+            </a:r>
+          </a:p>
+        </p:txBody>
+      </p:sp>
+      <p:pic>
+        <p:nvPicPr>
+          <p:cNvPr id="10" name="図 9" descr="黒い背景に白い文字がある&#10;&#10;中程度の精度で自動的に生成された説明">
+            <a:extLst>
+              <a:ext uri="{FF2B5EF4-FFF2-40B4-BE49-F238E27FC236}">
+                <a16:creationId xmlns:a16="http://schemas.microsoft.com/office/drawing/2014/main" id="{EFB806C8-628A-7C88-2C85-14F8D5ADE9C0}"/>
+              </a:ext>
+            </a:extLst>
+          </p:cNvPr>
+          <p:cNvPicPr>
+            <a:picLocks noChangeAspect="1"/>
+          </p:cNvPicPr>
+          <p:nvPr/>
+        </p:nvPicPr>
+        <p:blipFill>
+          <a:blip r:embed="rId3">
+            <a:extLst>
+              <a:ext uri="{28A0092B-C50C-407E-A947-70E740481C1C}">
+                <a14:useLocalDpi xmlns:a14="http://schemas.microsoft.com/office/drawing/2010/main" val="0"/>
+              </a:ext>
+            </a:extLst>
+          </a:blip>
+          <a:stretch>
+            <a:fillRect/>
+          </a:stretch>
+        </p:blipFill>
+        <p:spPr>
+          <a:xfrm>
+            <a:off x="836857" y="4426674"/>
+            <a:ext cx="1709931" cy="1554483"/>
+          </a:xfrm>
+          <a:prstGeom prst="rect">
+            <a:avLst/>
+          </a:prstGeom>
+        </p:spPr>
+      </p:pic>
+      <p:sp>
+        <p:nvSpPr>
+          <p:cNvPr id="11" name="矢印: 右 10">
+            <a:extLst>
+              <a:ext uri="{FF2B5EF4-FFF2-40B4-BE49-F238E27FC236}">
+                <a16:creationId xmlns:a16="http://schemas.microsoft.com/office/drawing/2014/main" id="{7B5CA693-2EC2-7A8F-7C6A-5C36E47F3685}"/>
+              </a:ext>
+            </a:extLst>
+          </p:cNvPr>
+          <p:cNvSpPr/>
+          <p:nvPr/>
+        </p:nvSpPr>
+        <p:spPr>
+          <a:xfrm rot="17798788">
+            <a:off x="2413546" y="3534067"/>
+            <a:ext cx="1285875" cy="495300"/>
+          </a:xfrm>
+          <a:prstGeom prst="rightArrow">
+            <a:avLst/>
+          </a:prstGeom>
+        </p:spPr>
+        <p:style>
+          <a:lnRef idx="2">
+            <a:schemeClr val="accent1">
+              <a:shade val="15000"/>
+            </a:schemeClr>
+          </a:lnRef>
+          <a:fillRef idx="1">
+            <a:schemeClr val="accent1"/>
+          </a:fillRef>
+          <a:effectRef idx="0">
+            <a:schemeClr val="accent1"/>
+          </a:effectRef>
+          <a:fontRef idx="minor">
+            <a:schemeClr val="lt1"/>
+          </a:fontRef>
+        </p:style>
+        <p:txBody>
+          <a:bodyPr rtlCol="0" anchor="ctr"/>
+          <a:lstStyle/>
+          <a:p>
+            <a:pPr algn="ctr"/>
+            <a:endParaRPr kumimoji="1" lang="ja-JP" altLang="en-US"/>
+          </a:p>
+        </p:txBody>
+      </p:sp>
+      <p:sp>
+        <p:nvSpPr>
+          <p:cNvPr id="12" name="テキスト ボックス 11">
+            <a:extLst>
+              <a:ext uri="{FF2B5EF4-FFF2-40B4-BE49-F238E27FC236}">
+                <a16:creationId xmlns:a16="http://schemas.microsoft.com/office/drawing/2014/main" id="{28CD6BF0-A01B-73F3-245A-128C93480A49}"/>
+              </a:ext>
+            </a:extLst>
+          </p:cNvPr>
+          <p:cNvSpPr txBox="1"/>
+          <p:nvPr/>
+        </p:nvSpPr>
+        <p:spPr>
+          <a:xfrm>
+            <a:off x="2567041" y="5165815"/>
+            <a:ext cx="1019391" cy="461665"/>
+          </a:xfrm>
+          <a:prstGeom prst="rect">
+            <a:avLst/>
+          </a:prstGeom>
+          <a:noFill/>
+        </p:spPr>
+        <p:txBody>
+          <a:bodyPr wrap="square" rtlCol="0">
+            <a:spAutoFit/>
+          </a:bodyPr>
+          <a:lstStyle/>
+          <a:p>
+            <a:pPr algn="ctr"/>
+            <a:r>
+              <a:rPr kumimoji="1" lang="en-US" altLang="ja-JP" sz="2400" dirty="0"/>
+              <a:t>X450</a:t>
+            </a:r>
+            <a:endParaRPr kumimoji="1" lang="ja-JP" altLang="en-US" sz="2400" dirty="0"/>
+          </a:p>
+        </p:txBody>
+      </p:sp>
+    </p:spTree>
+    <p:extLst>
+      <p:ext uri="{BB962C8B-B14F-4D97-AF65-F5344CB8AC3E}">
+        <p14:creationId xmlns:p14="http://schemas.microsoft.com/office/powerpoint/2010/main" val="1621899055"/>
       </p:ext>
     </p:extLst>
   </p:cSld>
